--- a/テスト駆動開発（TDD）.pptx
+++ b/テスト駆動開発（TDD）.pptx
@@ -5,13 +5,14 @@
     <p:sldMasterId id="2147483684" r:id="rId1"/>
   </p:sldMasterIdLst>
   <p:notesMasterIdLst>
-    <p:notesMasterId r:id="rId6"/>
+    <p:notesMasterId r:id="rId7"/>
   </p:notesMasterIdLst>
   <p:sldIdLst>
     <p:sldId id="256" r:id="rId2"/>
-    <p:sldId id="257" r:id="rId3"/>
-    <p:sldId id="258" r:id="rId4"/>
-    <p:sldId id="259" r:id="rId5"/>
+    <p:sldId id="261" r:id="rId3"/>
+    <p:sldId id="260" r:id="rId4"/>
+    <p:sldId id="258" r:id="rId5"/>
+    <p:sldId id="259" r:id="rId6"/>
   </p:sldIdLst>
   <p:sldSz cx="9144000" cy="6858000" type="screen4x3"/>
   <p:notesSz cx="6858000" cy="9144000"/>
@@ -195,7 +196,7 @@
           <a:p>
             <a:fld id="{B64965FB-0B6F-4481-B62F-524022D02E87}" type="datetimeFigureOut">
               <a:rPr kumimoji="1" lang="ja-JP" altLang="en-US" smtClean="0"/>
-              <a:t>2014/9/2</a:t>
+              <a:t>2014/9/3</a:t>
             </a:fld>
             <a:endParaRPr kumimoji="1" lang="ja-JP" altLang="en-US"/>
           </a:p>
@@ -561,6 +562,90 @@
             <a:fld id="{14AB48DF-E49A-442B-B4FA-384A84449B3A}" type="slidenum">
               <a:rPr kumimoji="1" lang="ja-JP" altLang="en-US" smtClean="0"/>
               <a:t>2</a:t>
+            </a:fld>
+            <a:endParaRPr kumimoji="1" lang="ja-JP" altLang="en-US"/>
+          </a:p>
+        </p:txBody>
+      </p:sp>
+    </p:spTree>
+    <p:extLst>
+      <p:ext uri="{BB962C8B-B14F-4D97-AF65-F5344CB8AC3E}">
+        <p14:creationId xmlns:p14="http://schemas.microsoft.com/office/powerpoint/2010/main" val="2636845106"/>
+      </p:ext>
+    </p:extLst>
+  </p:cSld>
+  <p:clrMapOvr>
+    <a:masterClrMapping/>
+  </p:clrMapOvr>
+</p:notes>
+</file>
+
+<file path=ppt/notesSlides/notesSlide2.xml><?xml version="1.0" encoding="utf-8"?>
+<p:notes xmlns:a="http://schemas.openxmlformats.org/drawingml/2006/main" xmlns:r="http://schemas.openxmlformats.org/officeDocument/2006/relationships" xmlns:p="http://schemas.openxmlformats.org/presentationml/2006/main">
+  <p:cSld>
+    <p:spTree>
+      <p:nvGrpSpPr>
+        <p:cNvPr id="1" name=""/>
+        <p:cNvGrpSpPr/>
+        <p:nvPr/>
+      </p:nvGrpSpPr>
+      <p:grpSpPr>
+        <a:xfrm>
+          <a:off x="0" y="0"/>
+          <a:ext cx="0" cy="0"/>
+          <a:chOff x="0" y="0"/>
+          <a:chExt cx="0" cy="0"/>
+        </a:xfrm>
+      </p:grpSpPr>
+      <p:sp>
+        <p:nvSpPr>
+          <p:cNvPr id="2" name="スライド イメージ プレースホルダー 1"/>
+          <p:cNvSpPr>
+            <a:spLocks noGrp="1" noRot="1" noChangeAspect="1"/>
+          </p:cNvSpPr>
+          <p:nvPr>
+            <p:ph type="sldImg"/>
+          </p:nvPr>
+        </p:nvSpPr>
+        <p:spPr/>
+      </p:sp>
+      <p:sp>
+        <p:nvSpPr>
+          <p:cNvPr id="3" name="ノート プレースホルダー 2"/>
+          <p:cNvSpPr>
+            <a:spLocks noGrp="1"/>
+          </p:cNvSpPr>
+          <p:nvPr>
+            <p:ph type="body" idx="1"/>
+          </p:nvPr>
+        </p:nvSpPr>
+        <p:spPr/>
+        <p:txBody>
+          <a:bodyPr/>
+          <a:lstStyle/>
+          <a:p>
+            <a:endParaRPr kumimoji="1" lang="ja-JP" altLang="en-US" dirty="0"/>
+          </a:p>
+        </p:txBody>
+      </p:sp>
+      <p:sp>
+        <p:nvSpPr>
+          <p:cNvPr id="4" name="スライド番号プレースホルダー 3"/>
+          <p:cNvSpPr>
+            <a:spLocks noGrp="1"/>
+          </p:cNvSpPr>
+          <p:nvPr>
+            <p:ph type="sldNum" sz="quarter" idx="10"/>
+          </p:nvPr>
+        </p:nvSpPr>
+        <p:spPr/>
+        <p:txBody>
+          <a:bodyPr/>
+          <a:lstStyle/>
+          <a:p>
+            <a:fld id="{14AB48DF-E49A-442B-B4FA-384A84449B3A}" type="slidenum">
+              <a:rPr kumimoji="1" lang="ja-JP" altLang="en-US" smtClean="0"/>
+              <a:t>3</a:t>
             </a:fld>
             <a:endParaRPr kumimoji="1" lang="ja-JP" altLang="en-US"/>
           </a:p>
@@ -1204,7 +1289,7 @@
           <a:p>
             <a:fld id="{9F82CBF2-C64B-4CDF-92A5-7C0BB11A4003}" type="datetimeFigureOut">
               <a:rPr kumimoji="1" lang="ja-JP" altLang="en-US" smtClean="0"/>
-              <a:t>2014/9/2</a:t>
+              <a:t>2014/9/3</a:t>
             </a:fld>
             <a:endParaRPr kumimoji="1" lang="ja-JP" altLang="en-US"/>
           </a:p>
@@ -1439,7 +1524,7 @@
           <a:p>
             <a:fld id="{9F82CBF2-C64B-4CDF-92A5-7C0BB11A4003}" type="datetimeFigureOut">
               <a:rPr kumimoji="1" lang="ja-JP" altLang="en-US" smtClean="0"/>
-              <a:t>2014/9/2</a:t>
+              <a:t>2014/9/3</a:t>
             </a:fld>
             <a:endParaRPr kumimoji="1" lang="ja-JP" altLang="en-US"/>
           </a:p>
@@ -1663,7 +1748,7 @@
           <a:p>
             <a:fld id="{9F82CBF2-C64B-4CDF-92A5-7C0BB11A4003}" type="datetimeFigureOut">
               <a:rPr kumimoji="1" lang="ja-JP" altLang="en-US" smtClean="0"/>
-              <a:t>2014/9/2</a:t>
+              <a:t>2014/9/3</a:t>
             </a:fld>
             <a:endParaRPr kumimoji="1" lang="ja-JP" altLang="en-US"/>
           </a:p>
@@ -1852,7 +1937,7 @@
           <a:p>
             <a:fld id="{9F82CBF2-C64B-4CDF-92A5-7C0BB11A4003}" type="datetimeFigureOut">
               <a:rPr kumimoji="1" lang="ja-JP" altLang="en-US" smtClean="0"/>
-              <a:t>2014/9/2</a:t>
+              <a:t>2014/9/3</a:t>
             </a:fld>
             <a:endParaRPr kumimoji="1" lang="ja-JP" altLang="en-US"/>
           </a:p>
@@ -2114,7 +2199,7 @@
           <a:p>
             <a:fld id="{9F82CBF2-C64B-4CDF-92A5-7C0BB11A4003}" type="datetimeFigureOut">
               <a:rPr kumimoji="1" lang="ja-JP" altLang="en-US" smtClean="0"/>
-              <a:t>2014/9/2</a:t>
+              <a:t>2014/9/3</a:t>
             </a:fld>
             <a:endParaRPr kumimoji="1" lang="ja-JP" altLang="en-US"/>
           </a:p>
@@ -2594,7 +2679,7 @@
           <a:p>
             <a:fld id="{9F82CBF2-C64B-4CDF-92A5-7C0BB11A4003}" type="datetimeFigureOut">
               <a:rPr kumimoji="1" lang="ja-JP" altLang="en-US" smtClean="0"/>
-              <a:t>2014/9/2</a:t>
+              <a:t>2014/9/3</a:t>
             </a:fld>
             <a:endParaRPr kumimoji="1" lang="ja-JP" altLang="en-US"/>
           </a:p>
@@ -3111,7 +3196,7 @@
           <a:p>
             <a:fld id="{9F82CBF2-C64B-4CDF-92A5-7C0BB11A4003}" type="datetimeFigureOut">
               <a:rPr kumimoji="1" lang="ja-JP" altLang="en-US" smtClean="0"/>
-              <a:t>2014/9/2</a:t>
+              <a:t>2014/9/3</a:t>
             </a:fld>
             <a:endParaRPr kumimoji="1" lang="ja-JP" altLang="en-US"/>
           </a:p>
@@ -3219,7 +3304,7 @@
           <a:p>
             <a:fld id="{9F82CBF2-C64B-4CDF-92A5-7C0BB11A4003}" type="datetimeFigureOut">
               <a:rPr kumimoji="1" lang="ja-JP" altLang="en-US" smtClean="0"/>
-              <a:t>2014/9/2</a:t>
+              <a:t>2014/9/3</a:t>
             </a:fld>
             <a:endParaRPr kumimoji="1" lang="ja-JP" altLang="en-US"/>
           </a:p>
@@ -3347,7 +3432,7 @@
           <a:p>
             <a:fld id="{9F82CBF2-C64B-4CDF-92A5-7C0BB11A4003}" type="datetimeFigureOut">
               <a:rPr kumimoji="1" lang="ja-JP" altLang="en-US" smtClean="0"/>
-              <a:t>2014/9/2</a:t>
+              <a:t>2014/9/3</a:t>
             </a:fld>
             <a:endParaRPr kumimoji="1" lang="ja-JP" altLang="en-US"/>
           </a:p>
@@ -3660,7 +3745,7 @@
           <a:p>
             <a:fld id="{9F82CBF2-C64B-4CDF-92A5-7C0BB11A4003}" type="datetimeFigureOut">
               <a:rPr kumimoji="1" lang="ja-JP" altLang="en-US" smtClean="0"/>
-              <a:t>2014/9/2</a:t>
+              <a:t>2014/9/3</a:t>
             </a:fld>
             <a:endParaRPr kumimoji="1" lang="ja-JP" altLang="en-US"/>
           </a:p>
@@ -3872,7 +3957,7 @@
           <a:p>
             <a:fld id="{9F82CBF2-C64B-4CDF-92A5-7C0BB11A4003}" type="datetimeFigureOut">
               <a:rPr kumimoji="1" lang="ja-JP" altLang="en-US" smtClean="0"/>
-              <a:t>2014/9/2</a:t>
+              <a:t>2014/9/3</a:t>
             </a:fld>
             <a:endParaRPr kumimoji="1" lang="ja-JP" altLang="en-US"/>
           </a:p>
@@ -5020,7 +5105,7 @@
           <a:p>
             <a:fld id="{9F82CBF2-C64B-4CDF-92A5-7C0BB11A4003}" type="datetimeFigureOut">
               <a:rPr kumimoji="1" lang="ja-JP" altLang="en-US" smtClean="0"/>
-              <a:t>2014/9/2</a:t>
+              <a:t>2014/9/3</a:t>
             </a:fld>
             <a:endParaRPr kumimoji="1" lang="ja-JP" altLang="en-US"/>
           </a:p>
@@ -5568,7 +5653,7 @@
     </p:spTree>
     <p:extLst>
       <p:ext uri="{BB962C8B-B14F-4D97-AF65-F5344CB8AC3E}">
-        <p14:creationId xmlns:p14="http://schemas.microsoft.com/office/powerpoint/2010/main" val="2997613532"/>
+        <p14:creationId xmlns:p14="http://schemas.microsoft.com/office/powerpoint/2010/main" val="2804744086"/>
       </p:ext>
     </p:extLst>
   </p:cSld>
@@ -5597,12 +5682,12 @@
       </p:grpSpPr>
       <p:sp>
         <p:nvSpPr>
-          <p:cNvPr id="2" name="コンテンツ プレースホルダー 1"/>
-          <p:cNvSpPr>
-            <a:spLocks noGrp="1"/>
-          </p:cNvSpPr>
-          <p:nvPr>
-            <p:ph idx="1"/>
+          <p:cNvPr id="3" name="タイトル 2"/>
+          <p:cNvSpPr>
+            <a:spLocks noGrp="1"/>
+          </p:cNvSpPr>
+          <p:nvPr>
+            <p:ph type="title"/>
           </p:nvPr>
         </p:nvSpPr>
         <p:spPr/>
@@ -5610,10 +5695,373 @@
           <a:bodyPr/>
           <a:lstStyle/>
           <a:p>
+            <a:r>
+              <a:rPr kumimoji="1" lang="ja-JP" altLang="en-US" dirty="0" smtClean="0"/>
+              <a:t>テスト駆動開発（</a:t>
+            </a:r>
+            <a:r>
+              <a:rPr kumimoji="1" lang="en-US" altLang="ja-JP" dirty="0" smtClean="0"/>
+              <a:t>TDD</a:t>
+            </a:r>
+            <a:r>
+              <a:rPr kumimoji="1" lang="ja-JP" altLang="en-US" dirty="0" smtClean="0"/>
+              <a:t>）とは</a:t>
+            </a:r>
+            <a:endParaRPr kumimoji="1" lang="ja-JP" altLang="en-US" dirty="0"/>
+          </a:p>
+        </p:txBody>
+      </p:sp>
+      <p:sp>
+        <p:nvSpPr>
+          <p:cNvPr id="4" name="角丸四角形 3"/>
+          <p:cNvSpPr/>
+          <p:nvPr/>
+        </p:nvSpPr>
+        <p:spPr>
+          <a:xfrm>
+            <a:off x="3638977" y="1556792"/>
+            <a:ext cx="1800200" cy="1728192"/>
+          </a:xfrm>
+          <a:prstGeom prst="roundRect">
+            <a:avLst/>
+          </a:prstGeom>
+        </p:spPr>
+        <p:style>
+          <a:lnRef idx="2">
+            <a:schemeClr val="accent1">
+              <a:shade val="50000"/>
+            </a:schemeClr>
+          </a:lnRef>
+          <a:fillRef idx="1">
+            <a:schemeClr val="accent1"/>
+          </a:fillRef>
+          <a:effectRef idx="0">
+            <a:schemeClr val="accent1"/>
+          </a:effectRef>
+          <a:fontRef idx="minor">
+            <a:schemeClr val="lt1"/>
+          </a:fontRef>
+        </p:style>
+        <p:txBody>
+          <a:bodyPr rtlCol="0" anchor="ctr"/>
+          <a:lstStyle/>
+          <a:p>
+            <a:pPr algn="ctr"/>
+            <a:r>
+              <a:rPr kumimoji="1" lang="ja-JP" altLang="en-US" b="1" dirty="0" smtClean="0"/>
+              <a:t>テストを書く</a:t>
+            </a:r>
+            <a:endParaRPr kumimoji="1" lang="ja-JP" altLang="en-US" b="1" dirty="0"/>
+          </a:p>
+        </p:txBody>
+      </p:sp>
+      <p:sp>
+        <p:nvSpPr>
+          <p:cNvPr id="5" name="角丸四角形 4"/>
+          <p:cNvSpPr/>
+          <p:nvPr/>
+        </p:nvSpPr>
+        <p:spPr>
+          <a:xfrm>
+            <a:off x="5439177" y="4077072"/>
+            <a:ext cx="1800200" cy="1728192"/>
+          </a:xfrm>
+          <a:prstGeom prst="roundRect">
+            <a:avLst/>
+          </a:prstGeom>
+          <a:solidFill>
+            <a:srgbClr val="92D050"/>
+          </a:solidFill>
+          <a:ln>
+            <a:solidFill>
+              <a:srgbClr val="00B050"/>
+            </a:solidFill>
+          </a:ln>
+        </p:spPr>
+        <p:style>
+          <a:lnRef idx="2">
+            <a:schemeClr val="accent1">
+              <a:shade val="50000"/>
+            </a:schemeClr>
+          </a:lnRef>
+          <a:fillRef idx="1">
+            <a:schemeClr val="accent1"/>
+          </a:fillRef>
+          <a:effectRef idx="0">
+            <a:schemeClr val="accent1"/>
+          </a:effectRef>
+          <a:fontRef idx="minor">
+            <a:schemeClr val="lt1"/>
+          </a:fontRef>
+        </p:style>
+        <p:txBody>
+          <a:bodyPr rtlCol="0" anchor="ctr"/>
+          <a:lstStyle/>
+          <a:p>
+            <a:pPr algn="ctr"/>
+            <a:r>
+              <a:rPr lang="ja-JP" altLang="en-US" b="1" dirty="0"/>
+              <a:t>テストが</a:t>
+            </a:r>
+            <a:r>
+              <a:rPr lang="ja-JP" altLang="en-US" b="1" dirty="0" smtClean="0"/>
+              <a:t>通る</a:t>
+            </a:r>
+            <a:endParaRPr lang="en-US" altLang="ja-JP" b="1" dirty="0" smtClean="0"/>
+          </a:p>
+          <a:p>
+            <a:pPr algn="ctr"/>
+            <a:r>
+              <a:rPr kumimoji="1" lang="ja-JP" altLang="en-US" b="1" dirty="0"/>
+              <a:t>最低限</a:t>
+            </a:r>
+            <a:r>
+              <a:rPr kumimoji="1" lang="ja-JP" altLang="en-US" b="1" dirty="0" smtClean="0"/>
+              <a:t>の実装</a:t>
+            </a:r>
+            <a:endParaRPr kumimoji="1" lang="en-US" altLang="ja-JP" b="1" dirty="0" smtClean="0"/>
+          </a:p>
+          <a:p>
+            <a:pPr algn="ctr"/>
+            <a:r>
+              <a:rPr lang="ja-JP" altLang="en-US" b="1" dirty="0" smtClean="0"/>
+              <a:t>を行う</a:t>
+            </a:r>
+            <a:endParaRPr lang="en-US" altLang="ja-JP" b="1" dirty="0" smtClean="0"/>
+          </a:p>
+        </p:txBody>
+      </p:sp>
+      <p:sp>
+        <p:nvSpPr>
+          <p:cNvPr id="6" name="角丸四角形 5"/>
+          <p:cNvSpPr/>
+          <p:nvPr/>
+        </p:nvSpPr>
+        <p:spPr>
+          <a:xfrm>
+            <a:off x="1838777" y="4077072"/>
+            <a:ext cx="1800200" cy="1728192"/>
+          </a:xfrm>
+          <a:prstGeom prst="roundRect">
+            <a:avLst/>
+          </a:prstGeom>
+          <a:solidFill>
+            <a:schemeClr val="accent2">
+              <a:lumMod val="60000"/>
+              <a:lumOff val="40000"/>
+            </a:schemeClr>
+          </a:solidFill>
+          <a:ln>
+            <a:solidFill>
+              <a:schemeClr val="accent2">
+                <a:lumMod val="75000"/>
+              </a:schemeClr>
+            </a:solidFill>
+          </a:ln>
+        </p:spPr>
+        <p:style>
+          <a:lnRef idx="2">
+            <a:schemeClr val="accent1">
+              <a:shade val="50000"/>
+            </a:schemeClr>
+          </a:lnRef>
+          <a:fillRef idx="1">
+            <a:schemeClr val="accent1"/>
+          </a:fillRef>
+          <a:effectRef idx="0">
+            <a:schemeClr val="accent1"/>
+          </a:effectRef>
+          <a:fontRef idx="minor">
+            <a:schemeClr val="lt1"/>
+          </a:fontRef>
+        </p:style>
+        <p:txBody>
+          <a:bodyPr rtlCol="0" anchor="ctr"/>
+          <a:lstStyle/>
+          <a:p>
+            <a:pPr algn="ctr"/>
+            <a:r>
+              <a:rPr lang="ja-JP" altLang="en-US" b="1" dirty="0" smtClean="0"/>
+              <a:t>実装したコードをブラッシュアップする</a:t>
+            </a:r>
+            <a:endParaRPr lang="en-US" altLang="ja-JP" b="1" dirty="0" smtClean="0"/>
+          </a:p>
+        </p:txBody>
+      </p:sp>
+      <p:sp>
+        <p:nvSpPr>
+          <p:cNvPr id="7" name="右矢印 6"/>
+          <p:cNvSpPr/>
+          <p:nvPr/>
+        </p:nvSpPr>
+        <p:spPr>
+          <a:xfrm rot="10800000">
+            <a:off x="3923929" y="4604168"/>
+            <a:ext cx="1152128" cy="697039"/>
+          </a:xfrm>
+          <a:prstGeom prst="rightArrow">
+            <a:avLst/>
+          </a:prstGeom>
+          <a:solidFill>
+            <a:srgbClr val="FFFF00"/>
+          </a:solidFill>
+          <a:ln>
+            <a:solidFill>
+              <a:srgbClr val="FFC000"/>
+            </a:solidFill>
+          </a:ln>
+        </p:spPr>
+        <p:style>
+          <a:lnRef idx="2">
+            <a:schemeClr val="accent1">
+              <a:shade val="50000"/>
+            </a:schemeClr>
+          </a:lnRef>
+          <a:fillRef idx="1">
+            <a:schemeClr val="accent1"/>
+          </a:fillRef>
+          <a:effectRef idx="0">
+            <a:schemeClr val="accent1"/>
+          </a:effectRef>
+          <a:fontRef idx="minor">
+            <a:schemeClr val="lt1"/>
+          </a:fontRef>
+        </p:style>
+        <p:txBody>
+          <a:bodyPr rtlCol="0" anchor="ctr"/>
+          <a:lstStyle/>
+          <a:p>
+            <a:pPr algn="ctr"/>
             <a:endParaRPr kumimoji="1" lang="ja-JP" altLang="en-US"/>
           </a:p>
         </p:txBody>
       </p:sp>
+      <p:sp>
+        <p:nvSpPr>
+          <p:cNvPr id="8" name="右矢印 7"/>
+          <p:cNvSpPr/>
+          <p:nvPr/>
+        </p:nvSpPr>
+        <p:spPr>
+          <a:xfrm rot="2902556">
+            <a:off x="5506284" y="3018110"/>
+            <a:ext cx="1152128" cy="697039"/>
+          </a:xfrm>
+          <a:prstGeom prst="rightArrow">
+            <a:avLst/>
+          </a:prstGeom>
+          <a:solidFill>
+            <a:srgbClr val="FFFF00"/>
+          </a:solidFill>
+          <a:ln>
+            <a:solidFill>
+              <a:srgbClr val="FFC000"/>
+            </a:solidFill>
+          </a:ln>
+        </p:spPr>
+        <p:style>
+          <a:lnRef idx="2">
+            <a:schemeClr val="accent1">
+              <a:shade val="50000"/>
+            </a:schemeClr>
+          </a:lnRef>
+          <a:fillRef idx="1">
+            <a:schemeClr val="accent1"/>
+          </a:fillRef>
+          <a:effectRef idx="0">
+            <a:schemeClr val="accent1"/>
+          </a:effectRef>
+          <a:fontRef idx="minor">
+            <a:schemeClr val="lt1"/>
+          </a:fontRef>
+        </p:style>
+        <p:txBody>
+          <a:bodyPr rtlCol="0" anchor="ctr"/>
+          <a:lstStyle/>
+          <a:p>
+            <a:pPr algn="ctr"/>
+            <a:endParaRPr kumimoji="1" lang="ja-JP" altLang="en-US"/>
+          </a:p>
+        </p:txBody>
+      </p:sp>
+      <p:sp>
+        <p:nvSpPr>
+          <p:cNvPr id="9" name="右矢印 8"/>
+          <p:cNvSpPr/>
+          <p:nvPr/>
+        </p:nvSpPr>
+        <p:spPr>
+          <a:xfrm rot="18580682">
+            <a:off x="2416667" y="3018110"/>
+            <a:ext cx="1152128" cy="697039"/>
+          </a:xfrm>
+          <a:prstGeom prst="rightArrow">
+            <a:avLst/>
+          </a:prstGeom>
+          <a:solidFill>
+            <a:srgbClr val="FFFF00"/>
+          </a:solidFill>
+          <a:ln>
+            <a:solidFill>
+              <a:srgbClr val="FFC000"/>
+            </a:solidFill>
+          </a:ln>
+        </p:spPr>
+        <p:style>
+          <a:lnRef idx="2">
+            <a:schemeClr val="accent1">
+              <a:shade val="50000"/>
+            </a:schemeClr>
+          </a:lnRef>
+          <a:fillRef idx="1">
+            <a:schemeClr val="accent1"/>
+          </a:fillRef>
+          <a:effectRef idx="0">
+            <a:schemeClr val="accent1"/>
+          </a:effectRef>
+          <a:fontRef idx="minor">
+            <a:schemeClr val="lt1"/>
+          </a:fontRef>
+        </p:style>
+        <p:txBody>
+          <a:bodyPr rtlCol="0" anchor="ctr"/>
+          <a:lstStyle/>
+          <a:p>
+            <a:pPr algn="ctr"/>
+            <a:endParaRPr kumimoji="1" lang="ja-JP" altLang="en-US"/>
+          </a:p>
+        </p:txBody>
+      </p:sp>
+    </p:spTree>
+    <p:extLst>
+      <p:ext uri="{BB962C8B-B14F-4D97-AF65-F5344CB8AC3E}">
+        <p14:creationId xmlns:p14="http://schemas.microsoft.com/office/powerpoint/2010/main" val="808545839"/>
+      </p:ext>
+    </p:extLst>
+  </p:cSld>
+  <p:clrMapOvr>
+    <a:masterClrMapping/>
+  </p:clrMapOvr>
+</p:sld>
+</file>
+
+<file path=ppt/slides/slide4.xml><?xml version="1.0" encoding="utf-8"?>
+<p:sld xmlns:a="http://schemas.openxmlformats.org/drawingml/2006/main" xmlns:r="http://schemas.openxmlformats.org/officeDocument/2006/relationships" xmlns:p="http://schemas.openxmlformats.org/presentationml/2006/main">
+  <p:cSld>
+    <p:spTree>
+      <p:nvGrpSpPr>
+        <p:cNvPr id="1" name=""/>
+        <p:cNvGrpSpPr/>
+        <p:nvPr/>
+      </p:nvGrpSpPr>
+      <p:grpSpPr>
+        <a:xfrm>
+          <a:off x="0" y="0"/>
+          <a:ext cx="0" cy="0"/>
+          <a:chOff x="0" y="0"/>
+          <a:chExt cx="0" cy="0"/>
+        </a:xfrm>
+      </p:grpSpPr>
       <p:sp>
         <p:nvSpPr>
           <p:cNvPr id="3" name="タイトル 2"/>
@@ -5630,8 +6078,127 @@
           <a:lstStyle/>
           <a:p>
             <a:r>
+              <a:rPr kumimoji="1" lang="ja-JP" altLang="en-US" dirty="0" smtClean="0"/>
+              <a:t>特徴</a:t>
+            </a:r>
+            <a:endParaRPr kumimoji="1" lang="ja-JP" altLang="en-US" dirty="0"/>
+          </a:p>
+        </p:txBody>
+      </p:sp>
+      <p:sp>
+        <p:nvSpPr>
+          <p:cNvPr id="4" name="コンテンツ プレースホルダー 1"/>
+          <p:cNvSpPr>
+            <a:spLocks noGrp="1"/>
+          </p:cNvSpPr>
+          <p:nvPr>
+            <p:ph idx="1"/>
+          </p:nvPr>
+        </p:nvSpPr>
+        <p:spPr>
+          <a:xfrm>
+            <a:off x="457200" y="1481328"/>
+            <a:ext cx="8229600" cy="4525963"/>
+          </a:xfrm>
+        </p:spPr>
+        <p:txBody>
+          <a:bodyPr>
+            <a:normAutofit lnSpcReduction="10000"/>
+          </a:bodyPr>
+          <a:lstStyle/>
+          <a:p>
+            <a:r>
+              <a:rPr kumimoji="1" lang="ja-JP" altLang="en-US" dirty="0" smtClean="0"/>
+              <a:t>メリット</a:t>
+            </a:r>
+            <a:endParaRPr kumimoji="1" lang="en-US" altLang="ja-JP" dirty="0" smtClean="0"/>
+          </a:p>
+          <a:p>
+            <a:pPr lvl="1"/>
+            <a:r>
+              <a:rPr kumimoji="1" lang="ja-JP" altLang="en-US" dirty="0" smtClean="0"/>
+              <a:t>実装者はテストを通すことだけ考えれば良い</a:t>
+            </a:r>
+            <a:endParaRPr kumimoji="1" lang="en-US" altLang="ja-JP" dirty="0" smtClean="0"/>
+          </a:p>
+          <a:p>
+            <a:pPr lvl="1"/>
+            <a:r>
               <a:rPr lang="ja-JP" altLang="en-US" dirty="0" smtClean="0"/>
-              <a:t>メリット・デメリット</a:t>
+              <a:t>カバレッジが上がり、バグが少なくなる（はず）</a:t>
+            </a:r>
+            <a:endParaRPr lang="en-US" altLang="ja-JP" dirty="0" smtClean="0"/>
+          </a:p>
+          <a:p>
+            <a:pPr lvl="1"/>
+            <a:r>
+              <a:rPr lang="ja-JP" altLang="en-US" dirty="0"/>
+              <a:t>テストを自動化</a:t>
+            </a:r>
+            <a:r>
+              <a:rPr lang="ja-JP" altLang="en-US" dirty="0" smtClean="0"/>
+              <a:t>する</a:t>
+            </a:r>
+            <a:r>
+              <a:rPr lang="ja-JP" altLang="en-US" dirty="0"/>
+              <a:t>ため</a:t>
+            </a:r>
+            <a:r>
+              <a:rPr lang="ja-JP" altLang="en-US" dirty="0" smtClean="0"/>
+              <a:t>、後の仕様変更への対応が容易になる</a:t>
+            </a:r>
+            <a:endParaRPr lang="en-US" altLang="ja-JP" dirty="0" smtClean="0"/>
+          </a:p>
+          <a:p>
+            <a:pPr lvl="1"/>
+            <a:r>
+              <a:rPr lang="ja-JP" altLang="en-US" dirty="0"/>
+              <a:t>設計</a:t>
+            </a:r>
+            <a:r>
+              <a:rPr lang="ja-JP" altLang="en-US" dirty="0" smtClean="0"/>
+              <a:t>をテストコードに落とし込むことで、設計のフィードバックを短い間隔で得ることができる</a:t>
+            </a:r>
+            <a:endParaRPr lang="en-US" altLang="ja-JP" dirty="0" smtClean="0"/>
+          </a:p>
+          <a:p>
+            <a:pPr marL="393192" lvl="1" indent="0">
+              <a:buNone/>
+            </a:pPr>
+            <a:endParaRPr lang="en-US" altLang="ja-JP" dirty="0" smtClean="0"/>
+          </a:p>
+          <a:p>
+            <a:r>
+              <a:rPr kumimoji="1" lang="ja-JP" altLang="en-US" dirty="0" smtClean="0"/>
+              <a:t>デメリット</a:t>
+            </a:r>
+            <a:endParaRPr kumimoji="1" lang="en-US" altLang="ja-JP" dirty="0" smtClean="0"/>
+          </a:p>
+          <a:p>
+            <a:pPr lvl="1"/>
+            <a:r>
+              <a:rPr lang="en-US" altLang="ja-JP" dirty="0" smtClean="0"/>
+              <a:t>GUI</a:t>
+            </a:r>
+            <a:r>
+              <a:rPr lang="ja-JP" altLang="en-US" dirty="0" smtClean="0"/>
+              <a:t>の開発など、</a:t>
+            </a:r>
+            <a:r>
+              <a:rPr lang="en-US" altLang="ja-JP" dirty="0" smtClean="0"/>
+              <a:t>TDD</a:t>
+            </a:r>
+            <a:r>
+              <a:rPr lang="ja-JP" altLang="en-US" dirty="0" smtClean="0"/>
+              <a:t>の適用が難しい（もしくはできない）場合がある</a:t>
+            </a:r>
+            <a:endParaRPr lang="en-US" altLang="ja-JP" dirty="0" smtClean="0"/>
+          </a:p>
+          <a:p>
+            <a:pPr lvl="1"/>
+            <a:r>
+              <a:rPr kumimoji="1" lang="ja-JP" altLang="en-US" dirty="0" smtClean="0"/>
+              <a:t>テストが正しいかどうか、の判断が別途必要</a:t>
             </a:r>
             <a:endParaRPr kumimoji="1" lang="ja-JP" altLang="en-US" dirty="0"/>
           </a:p>
@@ -5650,7 +6217,7 @@
 </p:sld>
 </file>
 
-<file path=ppt/slides/slide4.xml><?xml version="1.0" encoding="utf-8"?>
+<file path=ppt/slides/slide5.xml><?xml version="1.0" encoding="utf-8"?>
 <p:sld xmlns:a="http://schemas.openxmlformats.org/drawingml/2006/main" xmlns:r="http://schemas.openxmlformats.org/officeDocument/2006/relationships" xmlns:p="http://schemas.openxmlformats.org/presentationml/2006/main">
   <p:cSld>
     <p:spTree>

--- a/テスト駆動開発（TDD）.pptx
+++ b/テスト駆動開発（TDD）.pptx
@@ -5,14 +5,21 @@
     <p:sldMasterId id="2147483684" r:id="rId1"/>
   </p:sldMasterIdLst>
   <p:notesMasterIdLst>
-    <p:notesMasterId r:id="rId7"/>
+    <p:notesMasterId r:id="rId14"/>
   </p:notesMasterIdLst>
   <p:sldIdLst>
     <p:sldId id="256" r:id="rId2"/>
     <p:sldId id="261" r:id="rId3"/>
     <p:sldId id="260" r:id="rId4"/>
     <p:sldId id="258" r:id="rId5"/>
-    <p:sldId id="259" r:id="rId6"/>
+    <p:sldId id="262" r:id="rId6"/>
+    <p:sldId id="263" r:id="rId7"/>
+    <p:sldId id="268" r:id="rId8"/>
+    <p:sldId id="264" r:id="rId9"/>
+    <p:sldId id="265" r:id="rId10"/>
+    <p:sldId id="266" r:id="rId11"/>
+    <p:sldId id="267" r:id="rId12"/>
+    <p:sldId id="259" r:id="rId13"/>
   </p:sldIdLst>
   <p:sldSz cx="9144000" cy="6858000" type="screen4x3"/>
   <p:notesSz cx="6858000" cy="9144000"/>
@@ -196,7 +203,7 @@
           <a:p>
             <a:fld id="{B64965FB-0B6F-4481-B62F-524022D02E87}" type="datetimeFigureOut">
               <a:rPr kumimoji="1" lang="ja-JP" altLang="en-US" smtClean="0"/>
-              <a:t>2014/9/3</a:t>
+              <a:t>2014/9/5</a:t>
             </a:fld>
             <a:endParaRPr kumimoji="1" lang="ja-JP" altLang="en-US"/>
           </a:p>
@@ -646,6 +653,594 @@
             <a:fld id="{14AB48DF-E49A-442B-B4FA-384A84449B3A}" type="slidenum">
               <a:rPr kumimoji="1" lang="ja-JP" altLang="en-US" smtClean="0"/>
               <a:t>3</a:t>
+            </a:fld>
+            <a:endParaRPr kumimoji="1" lang="ja-JP" altLang="en-US"/>
+          </a:p>
+        </p:txBody>
+      </p:sp>
+    </p:spTree>
+    <p:extLst>
+      <p:ext uri="{BB962C8B-B14F-4D97-AF65-F5344CB8AC3E}">
+        <p14:creationId xmlns:p14="http://schemas.microsoft.com/office/powerpoint/2010/main" val="2636845106"/>
+      </p:ext>
+    </p:extLst>
+  </p:cSld>
+  <p:clrMapOvr>
+    <a:masterClrMapping/>
+  </p:clrMapOvr>
+</p:notes>
+</file>
+
+<file path=ppt/notesSlides/notesSlide3.xml><?xml version="1.0" encoding="utf-8"?>
+<p:notes xmlns:a="http://schemas.openxmlformats.org/drawingml/2006/main" xmlns:r="http://schemas.openxmlformats.org/officeDocument/2006/relationships" xmlns:p="http://schemas.openxmlformats.org/presentationml/2006/main">
+  <p:cSld>
+    <p:spTree>
+      <p:nvGrpSpPr>
+        <p:cNvPr id="1" name=""/>
+        <p:cNvGrpSpPr/>
+        <p:nvPr/>
+      </p:nvGrpSpPr>
+      <p:grpSpPr>
+        <a:xfrm>
+          <a:off x="0" y="0"/>
+          <a:ext cx="0" cy="0"/>
+          <a:chOff x="0" y="0"/>
+          <a:chExt cx="0" cy="0"/>
+        </a:xfrm>
+      </p:grpSpPr>
+      <p:sp>
+        <p:nvSpPr>
+          <p:cNvPr id="2" name="スライド イメージ プレースホルダー 1"/>
+          <p:cNvSpPr>
+            <a:spLocks noGrp="1" noRot="1" noChangeAspect="1"/>
+          </p:cNvSpPr>
+          <p:nvPr>
+            <p:ph type="sldImg"/>
+          </p:nvPr>
+        </p:nvSpPr>
+        <p:spPr/>
+      </p:sp>
+      <p:sp>
+        <p:nvSpPr>
+          <p:cNvPr id="3" name="ノート プレースホルダー 2"/>
+          <p:cNvSpPr>
+            <a:spLocks noGrp="1"/>
+          </p:cNvSpPr>
+          <p:nvPr>
+            <p:ph type="body" idx="1"/>
+          </p:nvPr>
+        </p:nvSpPr>
+        <p:spPr/>
+        <p:txBody>
+          <a:bodyPr/>
+          <a:lstStyle/>
+          <a:p>
+            <a:endParaRPr kumimoji="1" lang="ja-JP" altLang="en-US" dirty="0"/>
+          </a:p>
+        </p:txBody>
+      </p:sp>
+      <p:sp>
+        <p:nvSpPr>
+          <p:cNvPr id="4" name="スライド番号プレースホルダー 3"/>
+          <p:cNvSpPr>
+            <a:spLocks noGrp="1"/>
+          </p:cNvSpPr>
+          <p:nvPr>
+            <p:ph type="sldNum" sz="quarter" idx="10"/>
+          </p:nvPr>
+        </p:nvSpPr>
+        <p:spPr/>
+        <p:txBody>
+          <a:bodyPr/>
+          <a:lstStyle/>
+          <a:p>
+            <a:fld id="{14AB48DF-E49A-442B-B4FA-384A84449B3A}" type="slidenum">
+              <a:rPr kumimoji="1" lang="ja-JP" altLang="en-US" smtClean="0"/>
+              <a:t>5</a:t>
+            </a:fld>
+            <a:endParaRPr kumimoji="1" lang="ja-JP" altLang="en-US"/>
+          </a:p>
+        </p:txBody>
+      </p:sp>
+    </p:spTree>
+    <p:extLst>
+      <p:ext uri="{BB962C8B-B14F-4D97-AF65-F5344CB8AC3E}">
+        <p14:creationId xmlns:p14="http://schemas.microsoft.com/office/powerpoint/2010/main" val="2636845106"/>
+      </p:ext>
+    </p:extLst>
+  </p:cSld>
+  <p:clrMapOvr>
+    <a:masterClrMapping/>
+  </p:clrMapOvr>
+</p:notes>
+</file>
+
+<file path=ppt/notesSlides/notesSlide4.xml><?xml version="1.0" encoding="utf-8"?>
+<p:notes xmlns:a="http://schemas.openxmlformats.org/drawingml/2006/main" xmlns:r="http://schemas.openxmlformats.org/officeDocument/2006/relationships" xmlns:p="http://schemas.openxmlformats.org/presentationml/2006/main">
+  <p:cSld>
+    <p:spTree>
+      <p:nvGrpSpPr>
+        <p:cNvPr id="1" name=""/>
+        <p:cNvGrpSpPr/>
+        <p:nvPr/>
+      </p:nvGrpSpPr>
+      <p:grpSpPr>
+        <a:xfrm>
+          <a:off x="0" y="0"/>
+          <a:ext cx="0" cy="0"/>
+          <a:chOff x="0" y="0"/>
+          <a:chExt cx="0" cy="0"/>
+        </a:xfrm>
+      </p:grpSpPr>
+      <p:sp>
+        <p:nvSpPr>
+          <p:cNvPr id="2" name="スライド イメージ プレースホルダー 1"/>
+          <p:cNvSpPr>
+            <a:spLocks noGrp="1" noRot="1" noChangeAspect="1"/>
+          </p:cNvSpPr>
+          <p:nvPr>
+            <p:ph type="sldImg"/>
+          </p:nvPr>
+        </p:nvSpPr>
+        <p:spPr/>
+      </p:sp>
+      <p:sp>
+        <p:nvSpPr>
+          <p:cNvPr id="3" name="ノート プレースホルダー 2"/>
+          <p:cNvSpPr>
+            <a:spLocks noGrp="1"/>
+          </p:cNvSpPr>
+          <p:nvPr>
+            <p:ph type="body" idx="1"/>
+          </p:nvPr>
+        </p:nvSpPr>
+        <p:spPr/>
+        <p:txBody>
+          <a:bodyPr/>
+          <a:lstStyle/>
+          <a:p>
+            <a:endParaRPr kumimoji="1" lang="ja-JP" altLang="en-US" dirty="0"/>
+          </a:p>
+        </p:txBody>
+      </p:sp>
+      <p:sp>
+        <p:nvSpPr>
+          <p:cNvPr id="4" name="スライド番号プレースホルダー 3"/>
+          <p:cNvSpPr>
+            <a:spLocks noGrp="1"/>
+          </p:cNvSpPr>
+          <p:nvPr>
+            <p:ph type="sldNum" sz="quarter" idx="10"/>
+          </p:nvPr>
+        </p:nvSpPr>
+        <p:spPr/>
+        <p:txBody>
+          <a:bodyPr/>
+          <a:lstStyle/>
+          <a:p>
+            <a:fld id="{14AB48DF-E49A-442B-B4FA-384A84449B3A}" type="slidenum">
+              <a:rPr kumimoji="1" lang="ja-JP" altLang="en-US" smtClean="0"/>
+              <a:t>6</a:t>
+            </a:fld>
+            <a:endParaRPr kumimoji="1" lang="ja-JP" altLang="en-US"/>
+          </a:p>
+        </p:txBody>
+      </p:sp>
+    </p:spTree>
+    <p:extLst>
+      <p:ext uri="{BB962C8B-B14F-4D97-AF65-F5344CB8AC3E}">
+        <p14:creationId xmlns:p14="http://schemas.microsoft.com/office/powerpoint/2010/main" val="2636845106"/>
+      </p:ext>
+    </p:extLst>
+  </p:cSld>
+  <p:clrMapOvr>
+    <a:masterClrMapping/>
+  </p:clrMapOvr>
+</p:notes>
+</file>
+
+<file path=ppt/notesSlides/notesSlide5.xml><?xml version="1.0" encoding="utf-8"?>
+<p:notes xmlns:a="http://schemas.openxmlformats.org/drawingml/2006/main" xmlns:r="http://schemas.openxmlformats.org/officeDocument/2006/relationships" xmlns:p="http://schemas.openxmlformats.org/presentationml/2006/main">
+  <p:cSld>
+    <p:spTree>
+      <p:nvGrpSpPr>
+        <p:cNvPr id="1" name=""/>
+        <p:cNvGrpSpPr/>
+        <p:nvPr/>
+      </p:nvGrpSpPr>
+      <p:grpSpPr>
+        <a:xfrm>
+          <a:off x="0" y="0"/>
+          <a:ext cx="0" cy="0"/>
+          <a:chOff x="0" y="0"/>
+          <a:chExt cx="0" cy="0"/>
+        </a:xfrm>
+      </p:grpSpPr>
+      <p:sp>
+        <p:nvSpPr>
+          <p:cNvPr id="2" name="スライド イメージ プレースホルダー 1"/>
+          <p:cNvSpPr>
+            <a:spLocks noGrp="1" noRot="1" noChangeAspect="1"/>
+          </p:cNvSpPr>
+          <p:nvPr>
+            <p:ph type="sldImg"/>
+          </p:nvPr>
+        </p:nvSpPr>
+        <p:spPr/>
+      </p:sp>
+      <p:sp>
+        <p:nvSpPr>
+          <p:cNvPr id="3" name="ノート プレースホルダー 2"/>
+          <p:cNvSpPr>
+            <a:spLocks noGrp="1"/>
+          </p:cNvSpPr>
+          <p:nvPr>
+            <p:ph type="body" idx="1"/>
+          </p:nvPr>
+        </p:nvSpPr>
+        <p:spPr/>
+        <p:txBody>
+          <a:bodyPr/>
+          <a:lstStyle/>
+          <a:p>
+            <a:endParaRPr kumimoji="1" lang="ja-JP" altLang="en-US" dirty="0"/>
+          </a:p>
+        </p:txBody>
+      </p:sp>
+      <p:sp>
+        <p:nvSpPr>
+          <p:cNvPr id="4" name="スライド番号プレースホルダー 3"/>
+          <p:cNvSpPr>
+            <a:spLocks noGrp="1"/>
+          </p:cNvSpPr>
+          <p:nvPr>
+            <p:ph type="sldNum" sz="quarter" idx="10"/>
+          </p:nvPr>
+        </p:nvSpPr>
+        <p:spPr/>
+        <p:txBody>
+          <a:bodyPr/>
+          <a:lstStyle/>
+          <a:p>
+            <a:fld id="{14AB48DF-E49A-442B-B4FA-384A84449B3A}" type="slidenum">
+              <a:rPr kumimoji="1" lang="ja-JP" altLang="en-US" smtClean="0"/>
+              <a:t>7</a:t>
+            </a:fld>
+            <a:endParaRPr kumimoji="1" lang="ja-JP" altLang="en-US"/>
+          </a:p>
+        </p:txBody>
+      </p:sp>
+    </p:spTree>
+    <p:extLst>
+      <p:ext uri="{BB962C8B-B14F-4D97-AF65-F5344CB8AC3E}">
+        <p14:creationId xmlns:p14="http://schemas.microsoft.com/office/powerpoint/2010/main" val="2636845106"/>
+      </p:ext>
+    </p:extLst>
+  </p:cSld>
+  <p:clrMapOvr>
+    <a:masterClrMapping/>
+  </p:clrMapOvr>
+</p:notes>
+</file>
+
+<file path=ppt/notesSlides/notesSlide6.xml><?xml version="1.0" encoding="utf-8"?>
+<p:notes xmlns:a="http://schemas.openxmlformats.org/drawingml/2006/main" xmlns:r="http://schemas.openxmlformats.org/officeDocument/2006/relationships" xmlns:p="http://schemas.openxmlformats.org/presentationml/2006/main">
+  <p:cSld>
+    <p:spTree>
+      <p:nvGrpSpPr>
+        <p:cNvPr id="1" name=""/>
+        <p:cNvGrpSpPr/>
+        <p:nvPr/>
+      </p:nvGrpSpPr>
+      <p:grpSpPr>
+        <a:xfrm>
+          <a:off x="0" y="0"/>
+          <a:ext cx="0" cy="0"/>
+          <a:chOff x="0" y="0"/>
+          <a:chExt cx="0" cy="0"/>
+        </a:xfrm>
+      </p:grpSpPr>
+      <p:sp>
+        <p:nvSpPr>
+          <p:cNvPr id="2" name="スライド イメージ プレースホルダー 1"/>
+          <p:cNvSpPr>
+            <a:spLocks noGrp="1" noRot="1" noChangeAspect="1"/>
+          </p:cNvSpPr>
+          <p:nvPr>
+            <p:ph type="sldImg"/>
+          </p:nvPr>
+        </p:nvSpPr>
+        <p:spPr/>
+      </p:sp>
+      <p:sp>
+        <p:nvSpPr>
+          <p:cNvPr id="3" name="ノート プレースホルダー 2"/>
+          <p:cNvSpPr>
+            <a:spLocks noGrp="1"/>
+          </p:cNvSpPr>
+          <p:nvPr>
+            <p:ph type="body" idx="1"/>
+          </p:nvPr>
+        </p:nvSpPr>
+        <p:spPr/>
+        <p:txBody>
+          <a:bodyPr/>
+          <a:lstStyle/>
+          <a:p>
+            <a:endParaRPr kumimoji="1" lang="ja-JP" altLang="en-US" dirty="0"/>
+          </a:p>
+        </p:txBody>
+      </p:sp>
+      <p:sp>
+        <p:nvSpPr>
+          <p:cNvPr id="4" name="スライド番号プレースホルダー 3"/>
+          <p:cNvSpPr>
+            <a:spLocks noGrp="1"/>
+          </p:cNvSpPr>
+          <p:nvPr>
+            <p:ph type="sldNum" sz="quarter" idx="10"/>
+          </p:nvPr>
+        </p:nvSpPr>
+        <p:spPr/>
+        <p:txBody>
+          <a:bodyPr/>
+          <a:lstStyle/>
+          <a:p>
+            <a:fld id="{14AB48DF-E49A-442B-B4FA-384A84449B3A}" type="slidenum">
+              <a:rPr kumimoji="1" lang="ja-JP" altLang="en-US" smtClean="0"/>
+              <a:t>8</a:t>
+            </a:fld>
+            <a:endParaRPr kumimoji="1" lang="ja-JP" altLang="en-US"/>
+          </a:p>
+        </p:txBody>
+      </p:sp>
+    </p:spTree>
+    <p:extLst>
+      <p:ext uri="{BB962C8B-B14F-4D97-AF65-F5344CB8AC3E}">
+        <p14:creationId xmlns:p14="http://schemas.microsoft.com/office/powerpoint/2010/main" val="2636845106"/>
+      </p:ext>
+    </p:extLst>
+  </p:cSld>
+  <p:clrMapOvr>
+    <a:masterClrMapping/>
+  </p:clrMapOvr>
+</p:notes>
+</file>
+
+<file path=ppt/notesSlides/notesSlide7.xml><?xml version="1.0" encoding="utf-8"?>
+<p:notes xmlns:a="http://schemas.openxmlformats.org/drawingml/2006/main" xmlns:r="http://schemas.openxmlformats.org/officeDocument/2006/relationships" xmlns:p="http://schemas.openxmlformats.org/presentationml/2006/main">
+  <p:cSld>
+    <p:spTree>
+      <p:nvGrpSpPr>
+        <p:cNvPr id="1" name=""/>
+        <p:cNvGrpSpPr/>
+        <p:nvPr/>
+      </p:nvGrpSpPr>
+      <p:grpSpPr>
+        <a:xfrm>
+          <a:off x="0" y="0"/>
+          <a:ext cx="0" cy="0"/>
+          <a:chOff x="0" y="0"/>
+          <a:chExt cx="0" cy="0"/>
+        </a:xfrm>
+      </p:grpSpPr>
+      <p:sp>
+        <p:nvSpPr>
+          <p:cNvPr id="2" name="スライド イメージ プレースホルダー 1"/>
+          <p:cNvSpPr>
+            <a:spLocks noGrp="1" noRot="1" noChangeAspect="1"/>
+          </p:cNvSpPr>
+          <p:nvPr>
+            <p:ph type="sldImg"/>
+          </p:nvPr>
+        </p:nvSpPr>
+        <p:spPr/>
+      </p:sp>
+      <p:sp>
+        <p:nvSpPr>
+          <p:cNvPr id="3" name="ノート プレースホルダー 2"/>
+          <p:cNvSpPr>
+            <a:spLocks noGrp="1"/>
+          </p:cNvSpPr>
+          <p:nvPr>
+            <p:ph type="body" idx="1"/>
+          </p:nvPr>
+        </p:nvSpPr>
+        <p:spPr/>
+        <p:txBody>
+          <a:bodyPr/>
+          <a:lstStyle/>
+          <a:p>
+            <a:endParaRPr kumimoji="1" lang="ja-JP" altLang="en-US" dirty="0"/>
+          </a:p>
+        </p:txBody>
+      </p:sp>
+      <p:sp>
+        <p:nvSpPr>
+          <p:cNvPr id="4" name="スライド番号プレースホルダー 3"/>
+          <p:cNvSpPr>
+            <a:spLocks noGrp="1"/>
+          </p:cNvSpPr>
+          <p:nvPr>
+            <p:ph type="sldNum" sz="quarter" idx="10"/>
+          </p:nvPr>
+        </p:nvSpPr>
+        <p:spPr/>
+        <p:txBody>
+          <a:bodyPr/>
+          <a:lstStyle/>
+          <a:p>
+            <a:fld id="{14AB48DF-E49A-442B-B4FA-384A84449B3A}" type="slidenum">
+              <a:rPr kumimoji="1" lang="ja-JP" altLang="en-US" smtClean="0"/>
+              <a:t>9</a:t>
+            </a:fld>
+            <a:endParaRPr kumimoji="1" lang="ja-JP" altLang="en-US"/>
+          </a:p>
+        </p:txBody>
+      </p:sp>
+    </p:spTree>
+    <p:extLst>
+      <p:ext uri="{BB962C8B-B14F-4D97-AF65-F5344CB8AC3E}">
+        <p14:creationId xmlns:p14="http://schemas.microsoft.com/office/powerpoint/2010/main" val="2636845106"/>
+      </p:ext>
+    </p:extLst>
+  </p:cSld>
+  <p:clrMapOvr>
+    <a:masterClrMapping/>
+  </p:clrMapOvr>
+</p:notes>
+</file>
+
+<file path=ppt/notesSlides/notesSlide8.xml><?xml version="1.0" encoding="utf-8"?>
+<p:notes xmlns:a="http://schemas.openxmlformats.org/drawingml/2006/main" xmlns:r="http://schemas.openxmlformats.org/officeDocument/2006/relationships" xmlns:p="http://schemas.openxmlformats.org/presentationml/2006/main">
+  <p:cSld>
+    <p:spTree>
+      <p:nvGrpSpPr>
+        <p:cNvPr id="1" name=""/>
+        <p:cNvGrpSpPr/>
+        <p:nvPr/>
+      </p:nvGrpSpPr>
+      <p:grpSpPr>
+        <a:xfrm>
+          <a:off x="0" y="0"/>
+          <a:ext cx="0" cy="0"/>
+          <a:chOff x="0" y="0"/>
+          <a:chExt cx="0" cy="0"/>
+        </a:xfrm>
+      </p:grpSpPr>
+      <p:sp>
+        <p:nvSpPr>
+          <p:cNvPr id="2" name="スライド イメージ プレースホルダー 1"/>
+          <p:cNvSpPr>
+            <a:spLocks noGrp="1" noRot="1" noChangeAspect="1"/>
+          </p:cNvSpPr>
+          <p:nvPr>
+            <p:ph type="sldImg"/>
+          </p:nvPr>
+        </p:nvSpPr>
+        <p:spPr/>
+      </p:sp>
+      <p:sp>
+        <p:nvSpPr>
+          <p:cNvPr id="3" name="ノート プレースホルダー 2"/>
+          <p:cNvSpPr>
+            <a:spLocks noGrp="1"/>
+          </p:cNvSpPr>
+          <p:nvPr>
+            <p:ph type="body" idx="1"/>
+          </p:nvPr>
+        </p:nvSpPr>
+        <p:spPr/>
+        <p:txBody>
+          <a:bodyPr/>
+          <a:lstStyle/>
+          <a:p>
+            <a:endParaRPr kumimoji="1" lang="ja-JP" altLang="en-US" dirty="0"/>
+          </a:p>
+        </p:txBody>
+      </p:sp>
+      <p:sp>
+        <p:nvSpPr>
+          <p:cNvPr id="4" name="スライド番号プレースホルダー 3"/>
+          <p:cNvSpPr>
+            <a:spLocks noGrp="1"/>
+          </p:cNvSpPr>
+          <p:nvPr>
+            <p:ph type="sldNum" sz="quarter" idx="10"/>
+          </p:nvPr>
+        </p:nvSpPr>
+        <p:spPr/>
+        <p:txBody>
+          <a:bodyPr/>
+          <a:lstStyle/>
+          <a:p>
+            <a:fld id="{14AB48DF-E49A-442B-B4FA-384A84449B3A}" type="slidenum">
+              <a:rPr kumimoji="1" lang="ja-JP" altLang="en-US" smtClean="0"/>
+              <a:t>10</a:t>
+            </a:fld>
+            <a:endParaRPr kumimoji="1" lang="ja-JP" altLang="en-US"/>
+          </a:p>
+        </p:txBody>
+      </p:sp>
+    </p:spTree>
+    <p:extLst>
+      <p:ext uri="{BB962C8B-B14F-4D97-AF65-F5344CB8AC3E}">
+        <p14:creationId xmlns:p14="http://schemas.microsoft.com/office/powerpoint/2010/main" val="2636845106"/>
+      </p:ext>
+    </p:extLst>
+  </p:cSld>
+  <p:clrMapOvr>
+    <a:masterClrMapping/>
+  </p:clrMapOvr>
+</p:notes>
+</file>
+
+<file path=ppt/notesSlides/notesSlide9.xml><?xml version="1.0" encoding="utf-8"?>
+<p:notes xmlns:a="http://schemas.openxmlformats.org/drawingml/2006/main" xmlns:r="http://schemas.openxmlformats.org/officeDocument/2006/relationships" xmlns:p="http://schemas.openxmlformats.org/presentationml/2006/main">
+  <p:cSld>
+    <p:spTree>
+      <p:nvGrpSpPr>
+        <p:cNvPr id="1" name=""/>
+        <p:cNvGrpSpPr/>
+        <p:nvPr/>
+      </p:nvGrpSpPr>
+      <p:grpSpPr>
+        <a:xfrm>
+          <a:off x="0" y="0"/>
+          <a:ext cx="0" cy="0"/>
+          <a:chOff x="0" y="0"/>
+          <a:chExt cx="0" cy="0"/>
+        </a:xfrm>
+      </p:grpSpPr>
+      <p:sp>
+        <p:nvSpPr>
+          <p:cNvPr id="2" name="スライド イメージ プレースホルダー 1"/>
+          <p:cNvSpPr>
+            <a:spLocks noGrp="1" noRot="1" noChangeAspect="1"/>
+          </p:cNvSpPr>
+          <p:nvPr>
+            <p:ph type="sldImg"/>
+          </p:nvPr>
+        </p:nvSpPr>
+        <p:spPr/>
+      </p:sp>
+      <p:sp>
+        <p:nvSpPr>
+          <p:cNvPr id="3" name="ノート プレースホルダー 2"/>
+          <p:cNvSpPr>
+            <a:spLocks noGrp="1"/>
+          </p:cNvSpPr>
+          <p:nvPr>
+            <p:ph type="body" idx="1"/>
+          </p:nvPr>
+        </p:nvSpPr>
+        <p:spPr/>
+        <p:txBody>
+          <a:bodyPr/>
+          <a:lstStyle/>
+          <a:p>
+            <a:endParaRPr kumimoji="1" lang="ja-JP" altLang="en-US" dirty="0"/>
+          </a:p>
+        </p:txBody>
+      </p:sp>
+      <p:sp>
+        <p:nvSpPr>
+          <p:cNvPr id="4" name="スライド番号プレースホルダー 3"/>
+          <p:cNvSpPr>
+            <a:spLocks noGrp="1"/>
+          </p:cNvSpPr>
+          <p:nvPr>
+            <p:ph type="sldNum" sz="quarter" idx="10"/>
+          </p:nvPr>
+        </p:nvSpPr>
+        <p:spPr/>
+        <p:txBody>
+          <a:bodyPr/>
+          <a:lstStyle/>
+          <a:p>
+            <a:fld id="{14AB48DF-E49A-442B-B4FA-384A84449B3A}" type="slidenum">
+              <a:rPr kumimoji="1" lang="ja-JP" altLang="en-US" smtClean="0"/>
+              <a:t>11</a:t>
             </a:fld>
             <a:endParaRPr kumimoji="1" lang="ja-JP" altLang="en-US"/>
           </a:p>
@@ -1289,7 +1884,7 @@
           <a:p>
             <a:fld id="{9F82CBF2-C64B-4CDF-92A5-7C0BB11A4003}" type="datetimeFigureOut">
               <a:rPr kumimoji="1" lang="ja-JP" altLang="en-US" smtClean="0"/>
-              <a:t>2014/9/3</a:t>
+              <a:t>2014/9/5</a:t>
             </a:fld>
             <a:endParaRPr kumimoji="1" lang="ja-JP" altLang="en-US"/>
           </a:p>
@@ -1524,7 +2119,7 @@
           <a:p>
             <a:fld id="{9F82CBF2-C64B-4CDF-92A5-7C0BB11A4003}" type="datetimeFigureOut">
               <a:rPr kumimoji="1" lang="ja-JP" altLang="en-US" smtClean="0"/>
-              <a:t>2014/9/3</a:t>
+              <a:t>2014/9/5</a:t>
             </a:fld>
             <a:endParaRPr kumimoji="1" lang="ja-JP" altLang="en-US"/>
           </a:p>
@@ -1748,7 +2343,7 @@
           <a:p>
             <a:fld id="{9F82CBF2-C64B-4CDF-92A5-7C0BB11A4003}" type="datetimeFigureOut">
               <a:rPr kumimoji="1" lang="ja-JP" altLang="en-US" smtClean="0"/>
-              <a:t>2014/9/3</a:t>
+              <a:t>2014/9/5</a:t>
             </a:fld>
             <a:endParaRPr kumimoji="1" lang="ja-JP" altLang="en-US"/>
           </a:p>
@@ -1937,7 +2532,7 @@
           <a:p>
             <a:fld id="{9F82CBF2-C64B-4CDF-92A5-7C0BB11A4003}" type="datetimeFigureOut">
               <a:rPr kumimoji="1" lang="ja-JP" altLang="en-US" smtClean="0"/>
-              <a:t>2014/9/3</a:t>
+              <a:t>2014/9/5</a:t>
             </a:fld>
             <a:endParaRPr kumimoji="1" lang="ja-JP" altLang="en-US"/>
           </a:p>
@@ -2199,7 +2794,7 @@
           <a:p>
             <a:fld id="{9F82CBF2-C64B-4CDF-92A5-7C0BB11A4003}" type="datetimeFigureOut">
               <a:rPr kumimoji="1" lang="ja-JP" altLang="en-US" smtClean="0"/>
-              <a:t>2014/9/3</a:t>
+              <a:t>2014/9/5</a:t>
             </a:fld>
             <a:endParaRPr kumimoji="1" lang="ja-JP" altLang="en-US"/>
           </a:p>
@@ -2679,7 +3274,7 @@
           <a:p>
             <a:fld id="{9F82CBF2-C64B-4CDF-92A5-7C0BB11A4003}" type="datetimeFigureOut">
               <a:rPr kumimoji="1" lang="ja-JP" altLang="en-US" smtClean="0"/>
-              <a:t>2014/9/3</a:t>
+              <a:t>2014/9/5</a:t>
             </a:fld>
             <a:endParaRPr kumimoji="1" lang="ja-JP" altLang="en-US"/>
           </a:p>
@@ -3196,7 +3791,7 @@
           <a:p>
             <a:fld id="{9F82CBF2-C64B-4CDF-92A5-7C0BB11A4003}" type="datetimeFigureOut">
               <a:rPr kumimoji="1" lang="ja-JP" altLang="en-US" smtClean="0"/>
-              <a:t>2014/9/3</a:t>
+              <a:t>2014/9/5</a:t>
             </a:fld>
             <a:endParaRPr kumimoji="1" lang="ja-JP" altLang="en-US"/>
           </a:p>
@@ -3304,7 +3899,7 @@
           <a:p>
             <a:fld id="{9F82CBF2-C64B-4CDF-92A5-7C0BB11A4003}" type="datetimeFigureOut">
               <a:rPr kumimoji="1" lang="ja-JP" altLang="en-US" smtClean="0"/>
-              <a:t>2014/9/3</a:t>
+              <a:t>2014/9/5</a:t>
             </a:fld>
             <a:endParaRPr kumimoji="1" lang="ja-JP" altLang="en-US"/>
           </a:p>
@@ -3432,7 +4027,7 @@
           <a:p>
             <a:fld id="{9F82CBF2-C64B-4CDF-92A5-7C0BB11A4003}" type="datetimeFigureOut">
               <a:rPr kumimoji="1" lang="ja-JP" altLang="en-US" smtClean="0"/>
-              <a:t>2014/9/3</a:t>
+              <a:t>2014/9/5</a:t>
             </a:fld>
             <a:endParaRPr kumimoji="1" lang="ja-JP" altLang="en-US"/>
           </a:p>
@@ -3745,7 +4340,7 @@
           <a:p>
             <a:fld id="{9F82CBF2-C64B-4CDF-92A5-7C0BB11A4003}" type="datetimeFigureOut">
               <a:rPr kumimoji="1" lang="ja-JP" altLang="en-US" smtClean="0"/>
-              <a:t>2014/9/3</a:t>
+              <a:t>2014/9/5</a:t>
             </a:fld>
             <a:endParaRPr kumimoji="1" lang="ja-JP" altLang="en-US"/>
           </a:p>
@@ -3957,7 +4552,7 @@
           <a:p>
             <a:fld id="{9F82CBF2-C64B-4CDF-92A5-7C0BB11A4003}" type="datetimeFigureOut">
               <a:rPr kumimoji="1" lang="ja-JP" altLang="en-US" smtClean="0"/>
-              <a:t>2014/9/3</a:t>
+              <a:t>2014/9/5</a:t>
             </a:fld>
             <a:endParaRPr kumimoji="1" lang="ja-JP" altLang="en-US"/>
           </a:p>
@@ -5105,7 +5700,7 @@
           <a:p>
             <a:fld id="{9F82CBF2-C64B-4CDF-92A5-7C0BB11A4003}" type="datetimeFigureOut">
               <a:rPr kumimoji="1" lang="ja-JP" altLang="en-US" smtClean="0"/>
-              <a:t>2014/9/3</a:t>
+              <a:t>2014/9/5</a:t>
             </a:fld>
             <a:endParaRPr kumimoji="1" lang="ja-JP" altLang="en-US"/>
           </a:p>
@@ -5563,6 +6158,1391 @@
 </p:sld>
 </file>
 
+<file path=ppt/slides/slide10.xml><?xml version="1.0" encoding="utf-8"?>
+<p:sld xmlns:a="http://schemas.openxmlformats.org/drawingml/2006/main" xmlns:r="http://schemas.openxmlformats.org/officeDocument/2006/relationships" xmlns:p="http://schemas.openxmlformats.org/presentationml/2006/main">
+  <p:cSld>
+    <p:spTree>
+      <p:nvGrpSpPr>
+        <p:cNvPr id="1" name=""/>
+        <p:cNvGrpSpPr/>
+        <p:nvPr/>
+      </p:nvGrpSpPr>
+      <p:grpSpPr>
+        <a:xfrm>
+          <a:off x="0" y="0"/>
+          <a:ext cx="0" cy="0"/>
+          <a:chOff x="0" y="0"/>
+          <a:chExt cx="0" cy="0"/>
+        </a:xfrm>
+      </p:grpSpPr>
+      <p:sp>
+        <p:nvSpPr>
+          <p:cNvPr id="3" name="タイトル 2"/>
+          <p:cNvSpPr>
+            <a:spLocks noGrp="1"/>
+          </p:cNvSpPr>
+          <p:nvPr>
+            <p:ph type="title"/>
+          </p:nvPr>
+        </p:nvSpPr>
+        <p:spPr/>
+        <p:txBody>
+          <a:bodyPr/>
+          <a:lstStyle/>
+          <a:p>
+            <a:r>
+              <a:rPr lang="ja-JP" altLang="en-US" dirty="0" smtClean="0"/>
+              <a:t>テストを書く</a:t>
+            </a:r>
+            <a:endParaRPr kumimoji="1" lang="ja-JP" altLang="en-US" dirty="0"/>
+          </a:p>
+        </p:txBody>
+      </p:sp>
+      <p:sp>
+        <p:nvSpPr>
+          <p:cNvPr id="2" name="テキスト ボックス 1"/>
+          <p:cNvSpPr txBox="1"/>
+          <p:nvPr/>
+        </p:nvSpPr>
+        <p:spPr>
+          <a:xfrm>
+            <a:off x="899592" y="1484784"/>
+            <a:ext cx="7200800" cy="646331"/>
+          </a:xfrm>
+          <a:prstGeom prst="rect">
+            <a:avLst/>
+          </a:prstGeom>
+          <a:noFill/>
+        </p:spPr>
+        <p:txBody>
+          <a:bodyPr wrap="square" rtlCol="0">
+            <a:spAutoFit/>
+          </a:bodyPr>
+          <a:lstStyle/>
+          <a:p>
+            <a:r>
+              <a:rPr lang="ja-JP" altLang="en-US" sz="3600" dirty="0"/>
+              <a:t>で</a:t>
+            </a:r>
+            <a:r>
+              <a:rPr lang="ja-JP" altLang="en-US" sz="3600" dirty="0" smtClean="0"/>
+              <a:t>、テストを書く</a:t>
+            </a:r>
+            <a:r>
+              <a:rPr kumimoji="1" lang="ja-JP" altLang="en-US" sz="3600" dirty="0" smtClean="0"/>
+              <a:t>。</a:t>
+            </a:r>
+            <a:endParaRPr kumimoji="1" lang="ja-JP" altLang="en-US" sz="3600" dirty="0"/>
+          </a:p>
+        </p:txBody>
+      </p:sp>
+      <p:sp>
+        <p:nvSpPr>
+          <p:cNvPr id="4" name="テキスト ボックス 3"/>
+          <p:cNvSpPr txBox="1"/>
+          <p:nvPr/>
+        </p:nvSpPr>
+        <p:spPr>
+          <a:xfrm>
+            <a:off x="539552" y="2152015"/>
+            <a:ext cx="8208912" cy="4031873"/>
+          </a:xfrm>
+          <a:prstGeom prst="rect">
+            <a:avLst/>
+          </a:prstGeom>
+          <a:solidFill>
+            <a:schemeClr val="bg1"/>
+          </a:solidFill>
+          <a:ln>
+            <a:solidFill>
+              <a:schemeClr val="tx1"/>
+            </a:solidFill>
+          </a:ln>
+        </p:spPr>
+        <p:txBody>
+          <a:bodyPr wrap="square" rtlCol="0">
+            <a:spAutoFit/>
+          </a:bodyPr>
+          <a:lstStyle/>
+          <a:p>
+            <a:r>
+              <a:rPr lang="en-US" altLang="ja-JP" sz="1600" dirty="0">
+                <a:solidFill>
+                  <a:schemeClr val="accent2">
+                    <a:lumMod val="50000"/>
+                  </a:schemeClr>
+                </a:solidFill>
+              </a:rPr>
+              <a:t>public class </a:t>
+            </a:r>
+            <a:r>
+              <a:rPr lang="en-US" altLang="ja-JP" sz="1600" dirty="0"/>
+              <a:t>MainActivityTest </a:t>
+            </a:r>
+            <a:r>
+              <a:rPr lang="en-US" altLang="ja-JP" sz="1600" dirty="0">
+                <a:solidFill>
+                  <a:schemeClr val="accent2">
+                    <a:lumMod val="50000"/>
+                  </a:schemeClr>
+                </a:solidFill>
+              </a:rPr>
+              <a:t>extends </a:t>
+            </a:r>
+            <a:r>
+              <a:rPr lang="en-US" altLang="ja-JP" sz="1600" dirty="0"/>
+              <a:t>TestCase </a:t>
+            </a:r>
+            <a:r>
+              <a:rPr lang="en-US" altLang="ja-JP" sz="1600" dirty="0" smtClean="0">
+                <a:solidFill>
+                  <a:schemeClr val="accent2">
+                    <a:lumMod val="50000"/>
+                  </a:schemeClr>
+                </a:solidFill>
+              </a:rPr>
+              <a:t>{</a:t>
+            </a:r>
+          </a:p>
+          <a:p>
+            <a:r>
+              <a:rPr lang="en-US" altLang="ja-JP" sz="1600" dirty="0"/>
+              <a:t> </a:t>
+            </a:r>
+            <a:r>
+              <a:rPr lang="ja-JP" altLang="en-US" sz="1600" dirty="0" smtClean="0"/>
+              <a:t>　　　 </a:t>
+            </a:r>
+            <a:r>
+              <a:rPr lang="en-US" altLang="ja-JP" sz="1600" dirty="0" smtClean="0"/>
+              <a:t>MainActivity </a:t>
+            </a:r>
+            <a:r>
+              <a:rPr lang="en-US" altLang="ja-JP" sz="1600" dirty="0">
+                <a:solidFill>
+                  <a:srgbClr val="0070C0"/>
+                </a:solidFill>
+              </a:rPr>
+              <a:t>testClass</a:t>
+            </a:r>
+            <a:r>
+              <a:rPr lang="en-US" altLang="ja-JP" sz="1600" dirty="0"/>
+              <a:t> = </a:t>
+            </a:r>
+            <a:r>
+              <a:rPr lang="en-US" altLang="ja-JP" sz="1600" dirty="0">
+                <a:solidFill>
+                  <a:schemeClr val="accent2">
+                    <a:lumMod val="50000"/>
+                  </a:schemeClr>
+                </a:solidFill>
+              </a:rPr>
+              <a:t>null</a:t>
+            </a:r>
+            <a:r>
+              <a:rPr lang="en-US" altLang="ja-JP" sz="1600" dirty="0" smtClean="0"/>
+              <a:t>;</a:t>
+            </a:r>
+          </a:p>
+          <a:p>
+            <a:endParaRPr lang="en-US" altLang="ja-JP" sz="1600" dirty="0"/>
+          </a:p>
+          <a:p>
+            <a:r>
+              <a:rPr lang="en-US" altLang="ja-JP" sz="1600" dirty="0"/>
+              <a:t>    </a:t>
+            </a:r>
+            <a:r>
+              <a:rPr lang="ja-JP" altLang="en-US" sz="1600" dirty="0" smtClean="0"/>
+              <a:t>　　</a:t>
+            </a:r>
+            <a:r>
+              <a:rPr lang="en-US" altLang="ja-JP" sz="1600" dirty="0" smtClean="0">
+                <a:solidFill>
+                  <a:schemeClr val="accent2">
+                    <a:lumMod val="50000"/>
+                  </a:schemeClr>
+                </a:solidFill>
+              </a:rPr>
+              <a:t>protected </a:t>
+            </a:r>
+            <a:r>
+              <a:rPr lang="en-US" altLang="ja-JP" sz="1600" dirty="0">
+                <a:solidFill>
+                  <a:schemeClr val="accent2">
+                    <a:lumMod val="50000"/>
+                  </a:schemeClr>
+                </a:solidFill>
+              </a:rPr>
+              <a:t>void </a:t>
+            </a:r>
+            <a:r>
+              <a:rPr lang="en-US" altLang="ja-JP" sz="1600" dirty="0"/>
+              <a:t>setUp() </a:t>
+            </a:r>
+            <a:r>
+              <a:rPr lang="en-US" altLang="ja-JP" sz="1600" dirty="0">
+                <a:solidFill>
+                  <a:schemeClr val="accent2">
+                    <a:lumMod val="50000"/>
+                  </a:schemeClr>
+                </a:solidFill>
+              </a:rPr>
+              <a:t>throws </a:t>
+            </a:r>
+            <a:r>
+              <a:rPr lang="en-US" altLang="ja-JP" sz="1600" dirty="0"/>
+              <a:t>Exception {</a:t>
+            </a:r>
+          </a:p>
+          <a:p>
+            <a:r>
+              <a:rPr lang="en-US" altLang="ja-JP" sz="1600" dirty="0"/>
+              <a:t>        </a:t>
+            </a:r>
+            <a:r>
+              <a:rPr lang="ja-JP" altLang="en-US" sz="1600" dirty="0" smtClean="0"/>
+              <a:t>　　　　</a:t>
+            </a:r>
+            <a:r>
+              <a:rPr lang="en-US" altLang="ja-JP" sz="1600" dirty="0" smtClean="0">
+                <a:solidFill>
+                  <a:schemeClr val="accent2">
+                    <a:lumMod val="50000"/>
+                  </a:schemeClr>
+                </a:solidFill>
+              </a:rPr>
+              <a:t>super</a:t>
+            </a:r>
+            <a:r>
+              <a:rPr lang="en-US" altLang="ja-JP" sz="1600" dirty="0" smtClean="0"/>
+              <a:t>.setUp</a:t>
+            </a:r>
+            <a:r>
+              <a:rPr lang="en-US" altLang="ja-JP" sz="1600" dirty="0"/>
+              <a:t>();</a:t>
+            </a:r>
+          </a:p>
+          <a:p>
+            <a:r>
+              <a:rPr lang="en-US" altLang="ja-JP" sz="1600" dirty="0"/>
+              <a:t>        </a:t>
+            </a:r>
+            <a:r>
+              <a:rPr lang="ja-JP" altLang="en-US" sz="1600" dirty="0" smtClean="0"/>
+              <a:t>　　　　</a:t>
+            </a:r>
+            <a:r>
+              <a:rPr lang="en-US" altLang="ja-JP" sz="1600" dirty="0" smtClean="0">
+                <a:solidFill>
+                  <a:srgbClr val="0070C0"/>
+                </a:solidFill>
+              </a:rPr>
+              <a:t>testClass</a:t>
+            </a:r>
+            <a:r>
+              <a:rPr lang="en-US" altLang="ja-JP" sz="1600" dirty="0" smtClean="0"/>
+              <a:t> </a:t>
+            </a:r>
+            <a:r>
+              <a:rPr lang="en-US" altLang="ja-JP" sz="1600" dirty="0"/>
+              <a:t>= </a:t>
+            </a:r>
+            <a:r>
+              <a:rPr lang="en-US" altLang="ja-JP" sz="1600" dirty="0">
+                <a:solidFill>
+                  <a:schemeClr val="accent2">
+                    <a:lumMod val="50000"/>
+                  </a:schemeClr>
+                </a:solidFill>
+              </a:rPr>
+              <a:t>new</a:t>
+            </a:r>
+            <a:r>
+              <a:rPr lang="en-US" altLang="ja-JP" sz="1600" dirty="0"/>
+              <a:t> MainActivity();</a:t>
+            </a:r>
+          </a:p>
+          <a:p>
+            <a:r>
+              <a:rPr lang="en-US" altLang="ja-JP" sz="1600" dirty="0"/>
+              <a:t>    </a:t>
+            </a:r>
+            <a:r>
+              <a:rPr lang="ja-JP" altLang="en-US" sz="1600" dirty="0" smtClean="0"/>
+              <a:t>　　</a:t>
+            </a:r>
+            <a:r>
+              <a:rPr lang="en-US" altLang="ja-JP" sz="1600" dirty="0" smtClean="0"/>
+              <a:t>}</a:t>
+            </a:r>
+          </a:p>
+          <a:p>
+            <a:endParaRPr lang="en-US" altLang="ja-JP" sz="1600" dirty="0"/>
+          </a:p>
+          <a:p>
+            <a:r>
+              <a:rPr lang="en-US" altLang="ja-JP" sz="1600" dirty="0"/>
+              <a:t>    </a:t>
+            </a:r>
+            <a:r>
+              <a:rPr lang="ja-JP" altLang="en-US" sz="1600" dirty="0" smtClean="0"/>
+              <a:t>　　</a:t>
+            </a:r>
+            <a:r>
+              <a:rPr lang="en-US" altLang="ja-JP" sz="1600" dirty="0" smtClean="0">
+                <a:solidFill>
+                  <a:schemeClr val="accent2">
+                    <a:lumMod val="50000"/>
+                  </a:schemeClr>
+                </a:solidFill>
+              </a:rPr>
+              <a:t>protected </a:t>
+            </a:r>
+            <a:r>
+              <a:rPr lang="en-US" altLang="ja-JP" sz="1600" dirty="0">
+                <a:solidFill>
+                  <a:schemeClr val="accent2">
+                    <a:lumMod val="50000"/>
+                  </a:schemeClr>
+                </a:solidFill>
+              </a:rPr>
+              <a:t>void </a:t>
+            </a:r>
+            <a:r>
+              <a:rPr lang="en-US" altLang="ja-JP" sz="1600" dirty="0"/>
+              <a:t>tearDown() </a:t>
+            </a:r>
+            <a:r>
+              <a:rPr lang="en-US" altLang="ja-JP" sz="1600" dirty="0">
+                <a:solidFill>
+                  <a:schemeClr val="accent2">
+                    <a:lumMod val="50000"/>
+                  </a:schemeClr>
+                </a:solidFill>
+              </a:rPr>
+              <a:t>throws </a:t>
+            </a:r>
+            <a:r>
+              <a:rPr lang="en-US" altLang="ja-JP" sz="1600" dirty="0"/>
+              <a:t>Exception {</a:t>
+            </a:r>
+          </a:p>
+          <a:p>
+            <a:r>
+              <a:rPr lang="en-US" altLang="ja-JP" sz="1600" dirty="0"/>
+              <a:t>        </a:t>
+            </a:r>
+            <a:r>
+              <a:rPr lang="ja-JP" altLang="en-US" sz="1600" dirty="0" smtClean="0"/>
+              <a:t>　　　　</a:t>
+            </a:r>
+            <a:r>
+              <a:rPr lang="en-US" altLang="ja-JP" sz="1600" dirty="0" smtClean="0">
+                <a:solidFill>
+                  <a:schemeClr val="accent2">
+                    <a:lumMod val="50000"/>
+                  </a:schemeClr>
+                </a:solidFill>
+              </a:rPr>
+              <a:t>super</a:t>
+            </a:r>
+            <a:r>
+              <a:rPr lang="en-US" altLang="ja-JP" sz="1600" dirty="0" smtClean="0"/>
+              <a:t>.tearDown</a:t>
+            </a:r>
+            <a:r>
+              <a:rPr lang="en-US" altLang="ja-JP" sz="1600" dirty="0"/>
+              <a:t>();</a:t>
+            </a:r>
+          </a:p>
+          <a:p>
+            <a:r>
+              <a:rPr lang="en-US" altLang="ja-JP" sz="1600" dirty="0"/>
+              <a:t>        </a:t>
+            </a:r>
+            <a:r>
+              <a:rPr lang="ja-JP" altLang="en-US" sz="1600" dirty="0" smtClean="0"/>
+              <a:t>　　　　</a:t>
+            </a:r>
+            <a:r>
+              <a:rPr lang="en-US" altLang="ja-JP" sz="1600" dirty="0" smtClean="0">
+                <a:solidFill>
+                  <a:srgbClr val="0070C0"/>
+                </a:solidFill>
+              </a:rPr>
+              <a:t>testClass</a:t>
+            </a:r>
+            <a:r>
+              <a:rPr lang="en-US" altLang="ja-JP" sz="1600" dirty="0" smtClean="0"/>
+              <a:t> </a:t>
+            </a:r>
+            <a:r>
+              <a:rPr lang="en-US" altLang="ja-JP" sz="1600" dirty="0"/>
+              <a:t>= </a:t>
+            </a:r>
+            <a:r>
+              <a:rPr lang="en-US" altLang="ja-JP" sz="1600" dirty="0">
+                <a:solidFill>
+                  <a:schemeClr val="accent2">
+                    <a:lumMod val="50000"/>
+                  </a:schemeClr>
+                </a:solidFill>
+              </a:rPr>
+              <a:t>null</a:t>
+            </a:r>
+            <a:r>
+              <a:rPr lang="en-US" altLang="ja-JP" sz="1600" dirty="0"/>
+              <a:t>;</a:t>
+            </a:r>
+          </a:p>
+          <a:p>
+            <a:r>
+              <a:rPr lang="en-US" altLang="ja-JP" sz="1600" dirty="0"/>
+              <a:t>    </a:t>
+            </a:r>
+            <a:r>
+              <a:rPr lang="ja-JP" altLang="en-US" sz="1600" dirty="0" smtClean="0"/>
+              <a:t>　　</a:t>
+            </a:r>
+            <a:r>
+              <a:rPr lang="en-US" altLang="ja-JP" sz="1600" dirty="0" smtClean="0"/>
+              <a:t>}</a:t>
+            </a:r>
+          </a:p>
+          <a:p>
+            <a:endParaRPr lang="en-US" altLang="ja-JP" sz="1600" dirty="0" smtClean="0"/>
+          </a:p>
+          <a:p>
+            <a:r>
+              <a:rPr kumimoji="1" lang="ja-JP" altLang="en-US" sz="1600" dirty="0" smtClean="0"/>
+              <a:t>　　　　　　　　　　　　　　　　　　　　　　　　　・</a:t>
+            </a:r>
+            <a:endParaRPr kumimoji="1" lang="en-US" altLang="ja-JP" sz="1600" dirty="0" smtClean="0"/>
+          </a:p>
+          <a:p>
+            <a:r>
+              <a:rPr lang="ja-JP" altLang="en-US" sz="1600" dirty="0"/>
+              <a:t>　　　　　　　　　　　　　　　　　　　　　　　　　</a:t>
+            </a:r>
+            <a:r>
+              <a:rPr lang="ja-JP" altLang="en-US" sz="1600" dirty="0" smtClean="0"/>
+              <a:t>・</a:t>
+            </a:r>
+            <a:endParaRPr kumimoji="1" lang="en-US" altLang="ja-JP" sz="1600" dirty="0" smtClean="0"/>
+          </a:p>
+          <a:p>
+            <a:r>
+              <a:rPr lang="ja-JP" altLang="en-US" sz="1600" dirty="0"/>
+              <a:t>　　　　　　　　　　　　　　　　　　　　　　　　　</a:t>
+            </a:r>
+            <a:r>
+              <a:rPr lang="ja-JP" altLang="en-US" sz="1600" dirty="0" smtClean="0"/>
+              <a:t>・</a:t>
+            </a:r>
+            <a:endParaRPr lang="ja-JP" altLang="en-US" sz="1600" dirty="0"/>
+          </a:p>
+        </p:txBody>
+      </p:sp>
+      <p:sp>
+        <p:nvSpPr>
+          <p:cNvPr id="5" name="テキスト ボックス 4"/>
+          <p:cNvSpPr txBox="1"/>
+          <p:nvPr/>
+        </p:nvSpPr>
+        <p:spPr>
+          <a:xfrm>
+            <a:off x="6012160" y="3244334"/>
+            <a:ext cx="1368152" cy="369332"/>
+          </a:xfrm>
+          <a:prstGeom prst="rect">
+            <a:avLst/>
+          </a:prstGeom>
+          <a:noFill/>
+        </p:spPr>
+        <p:txBody>
+          <a:bodyPr wrap="square" rtlCol="0">
+            <a:spAutoFit/>
+          </a:bodyPr>
+          <a:lstStyle/>
+          <a:p>
+            <a:r>
+              <a:rPr lang="ja-JP" altLang="en-US" dirty="0" smtClean="0"/>
+              <a:t>事前</a:t>
+            </a:r>
+            <a:r>
+              <a:rPr lang="ja-JP" altLang="en-US" dirty="0"/>
+              <a:t>処理</a:t>
+            </a:r>
+            <a:endParaRPr kumimoji="1" lang="ja-JP" altLang="en-US" dirty="0"/>
+          </a:p>
+        </p:txBody>
+      </p:sp>
+      <p:sp>
+        <p:nvSpPr>
+          <p:cNvPr id="6" name="テキスト ボックス 5"/>
+          <p:cNvSpPr txBox="1"/>
+          <p:nvPr/>
+        </p:nvSpPr>
+        <p:spPr>
+          <a:xfrm>
+            <a:off x="6012160" y="4477762"/>
+            <a:ext cx="1368152" cy="369332"/>
+          </a:xfrm>
+          <a:prstGeom prst="rect">
+            <a:avLst/>
+          </a:prstGeom>
+          <a:noFill/>
+        </p:spPr>
+        <p:txBody>
+          <a:bodyPr wrap="square" rtlCol="0">
+            <a:spAutoFit/>
+          </a:bodyPr>
+          <a:lstStyle/>
+          <a:p>
+            <a:r>
+              <a:rPr lang="ja-JP" altLang="en-US" dirty="0" smtClean="0"/>
+              <a:t>事後処理</a:t>
+            </a:r>
+            <a:endParaRPr kumimoji="1" lang="ja-JP" altLang="en-US" dirty="0"/>
+          </a:p>
+        </p:txBody>
+      </p:sp>
+      <p:sp>
+        <p:nvSpPr>
+          <p:cNvPr id="7" name="正方形/長方形 6"/>
+          <p:cNvSpPr/>
+          <p:nvPr/>
+        </p:nvSpPr>
+        <p:spPr>
+          <a:xfrm>
+            <a:off x="1043608" y="2852936"/>
+            <a:ext cx="4680520" cy="1152128"/>
+          </a:xfrm>
+          <a:prstGeom prst="rect">
+            <a:avLst/>
+          </a:prstGeom>
+          <a:noFill/>
+          <a:ln w="6350">
+            <a:solidFill>
+              <a:schemeClr val="tx1"/>
+            </a:solidFill>
+          </a:ln>
+        </p:spPr>
+        <p:style>
+          <a:lnRef idx="2">
+            <a:schemeClr val="accent1">
+              <a:shade val="50000"/>
+            </a:schemeClr>
+          </a:lnRef>
+          <a:fillRef idx="1">
+            <a:schemeClr val="accent1"/>
+          </a:fillRef>
+          <a:effectRef idx="0">
+            <a:schemeClr val="accent1"/>
+          </a:effectRef>
+          <a:fontRef idx="minor">
+            <a:schemeClr val="lt1"/>
+          </a:fontRef>
+        </p:style>
+        <p:txBody>
+          <a:bodyPr rtlCol="0" anchor="ctr"/>
+          <a:lstStyle/>
+          <a:p>
+            <a:pPr algn="ctr"/>
+            <a:endParaRPr kumimoji="1" lang="ja-JP" altLang="en-US"/>
+          </a:p>
+        </p:txBody>
+      </p:sp>
+      <p:sp>
+        <p:nvSpPr>
+          <p:cNvPr id="8" name="正方形/長方形 7"/>
+          <p:cNvSpPr/>
+          <p:nvPr/>
+        </p:nvSpPr>
+        <p:spPr>
+          <a:xfrm>
+            <a:off x="1043608" y="4086364"/>
+            <a:ext cx="4680520" cy="1152128"/>
+          </a:xfrm>
+          <a:prstGeom prst="rect">
+            <a:avLst/>
+          </a:prstGeom>
+          <a:noFill/>
+          <a:ln w="6350">
+            <a:solidFill>
+              <a:schemeClr val="tx1"/>
+            </a:solidFill>
+          </a:ln>
+        </p:spPr>
+        <p:style>
+          <a:lnRef idx="2">
+            <a:schemeClr val="accent1">
+              <a:shade val="50000"/>
+            </a:schemeClr>
+          </a:lnRef>
+          <a:fillRef idx="1">
+            <a:schemeClr val="accent1"/>
+          </a:fillRef>
+          <a:effectRef idx="0">
+            <a:schemeClr val="accent1"/>
+          </a:effectRef>
+          <a:fontRef idx="minor">
+            <a:schemeClr val="lt1"/>
+          </a:fontRef>
+        </p:style>
+        <p:txBody>
+          <a:bodyPr rtlCol="0" anchor="ctr"/>
+          <a:lstStyle/>
+          <a:p>
+            <a:pPr algn="ctr"/>
+            <a:endParaRPr kumimoji="1" lang="ja-JP" altLang="en-US"/>
+          </a:p>
+        </p:txBody>
+      </p:sp>
+    </p:spTree>
+    <p:extLst>
+      <p:ext uri="{BB962C8B-B14F-4D97-AF65-F5344CB8AC3E}">
+        <p14:creationId xmlns:p14="http://schemas.microsoft.com/office/powerpoint/2010/main" val="3142195709"/>
+      </p:ext>
+    </p:extLst>
+  </p:cSld>
+  <p:clrMapOvr>
+    <a:masterClrMapping/>
+  </p:clrMapOvr>
+  <p:timing>
+    <p:tnLst>
+      <p:par>
+        <p:cTn id="1" dur="indefinite" restart="never" nodeType="tmRoot"/>
+      </p:par>
+    </p:tnLst>
+  </p:timing>
+</p:sld>
+</file>
+
+<file path=ppt/slides/slide11.xml><?xml version="1.0" encoding="utf-8"?>
+<p:sld xmlns:a="http://schemas.openxmlformats.org/drawingml/2006/main" xmlns:r="http://schemas.openxmlformats.org/officeDocument/2006/relationships" xmlns:p="http://schemas.openxmlformats.org/presentationml/2006/main">
+  <p:cSld>
+    <p:spTree>
+      <p:nvGrpSpPr>
+        <p:cNvPr id="1" name=""/>
+        <p:cNvGrpSpPr/>
+        <p:nvPr/>
+      </p:nvGrpSpPr>
+      <p:grpSpPr>
+        <a:xfrm>
+          <a:off x="0" y="0"/>
+          <a:ext cx="0" cy="0"/>
+          <a:chOff x="0" y="0"/>
+          <a:chExt cx="0" cy="0"/>
+        </a:xfrm>
+      </p:grpSpPr>
+      <p:sp>
+        <p:nvSpPr>
+          <p:cNvPr id="3" name="タイトル 2"/>
+          <p:cNvSpPr>
+            <a:spLocks noGrp="1"/>
+          </p:cNvSpPr>
+          <p:nvPr>
+            <p:ph type="title"/>
+          </p:nvPr>
+        </p:nvSpPr>
+        <p:spPr/>
+        <p:txBody>
+          <a:bodyPr/>
+          <a:lstStyle/>
+          <a:p>
+            <a:r>
+              <a:rPr lang="ja-JP" altLang="en-US" dirty="0" smtClean="0"/>
+              <a:t>テストを書く</a:t>
+            </a:r>
+            <a:endParaRPr kumimoji="1" lang="ja-JP" altLang="en-US" dirty="0"/>
+          </a:p>
+        </p:txBody>
+      </p:sp>
+      <p:sp>
+        <p:nvSpPr>
+          <p:cNvPr id="2" name="テキスト ボックス 1"/>
+          <p:cNvSpPr txBox="1"/>
+          <p:nvPr/>
+        </p:nvSpPr>
+        <p:spPr>
+          <a:xfrm>
+            <a:off x="899592" y="1484784"/>
+            <a:ext cx="7200800" cy="646331"/>
+          </a:xfrm>
+          <a:prstGeom prst="rect">
+            <a:avLst/>
+          </a:prstGeom>
+          <a:noFill/>
+        </p:spPr>
+        <p:txBody>
+          <a:bodyPr wrap="square" rtlCol="0">
+            <a:spAutoFit/>
+          </a:bodyPr>
+          <a:lstStyle/>
+          <a:p>
+            <a:r>
+              <a:rPr lang="ja-JP" altLang="en-US" sz="3600" dirty="0"/>
+              <a:t>で</a:t>
+            </a:r>
+            <a:r>
+              <a:rPr lang="ja-JP" altLang="en-US" sz="3600" dirty="0" smtClean="0"/>
+              <a:t>、テストを書く</a:t>
+            </a:r>
+            <a:r>
+              <a:rPr kumimoji="1" lang="ja-JP" altLang="en-US" sz="3600" dirty="0" smtClean="0"/>
+              <a:t>。</a:t>
+            </a:r>
+            <a:endParaRPr kumimoji="1" lang="ja-JP" altLang="en-US" sz="3600" dirty="0"/>
+          </a:p>
+        </p:txBody>
+      </p:sp>
+      <p:sp>
+        <p:nvSpPr>
+          <p:cNvPr id="4" name="テキスト ボックス 3"/>
+          <p:cNvSpPr txBox="1"/>
+          <p:nvPr/>
+        </p:nvSpPr>
+        <p:spPr>
+          <a:xfrm>
+            <a:off x="539552" y="2152015"/>
+            <a:ext cx="8208912" cy="4031873"/>
+          </a:xfrm>
+          <a:prstGeom prst="rect">
+            <a:avLst/>
+          </a:prstGeom>
+          <a:solidFill>
+            <a:schemeClr val="bg1"/>
+          </a:solidFill>
+          <a:ln>
+            <a:solidFill>
+              <a:schemeClr val="tx1"/>
+            </a:solidFill>
+          </a:ln>
+        </p:spPr>
+        <p:txBody>
+          <a:bodyPr wrap="square" rtlCol="0">
+            <a:spAutoFit/>
+          </a:bodyPr>
+          <a:lstStyle/>
+          <a:p>
+            <a:r>
+              <a:rPr lang="en-US" altLang="ja-JP" sz="1600" dirty="0" smtClean="0"/>
+              <a:t>   </a:t>
+            </a:r>
+            <a:r>
+              <a:rPr lang="ja-JP" altLang="en-US" sz="1600" dirty="0" smtClean="0"/>
+              <a:t>　　</a:t>
+            </a:r>
+            <a:r>
+              <a:rPr lang="en-US" altLang="ja-JP" sz="1600" dirty="0" smtClean="0"/>
+              <a:t>  /**</a:t>
+            </a:r>
+            <a:endParaRPr lang="en-US" altLang="ja-JP" sz="1600" dirty="0"/>
+          </a:p>
+          <a:p>
+            <a:r>
+              <a:rPr lang="en-US" altLang="ja-JP" sz="1600" dirty="0"/>
+              <a:t>   </a:t>
+            </a:r>
+            <a:r>
+              <a:rPr lang="ja-JP" altLang="en-US" sz="1600" dirty="0" smtClean="0"/>
+              <a:t>　　</a:t>
+            </a:r>
+            <a:r>
+              <a:rPr lang="en-US" altLang="ja-JP" sz="1600" dirty="0" smtClean="0"/>
+              <a:t>    </a:t>
+            </a:r>
+            <a:r>
+              <a:rPr lang="en-US" altLang="ja-JP" sz="1600" dirty="0"/>
+              <a:t>* </a:t>
+            </a:r>
+            <a:r>
+              <a:rPr lang="ja-JP" altLang="en-US" sz="1600" dirty="0"/>
+              <a:t>正常系（朝）</a:t>
+            </a:r>
+          </a:p>
+          <a:p>
+            <a:r>
+              <a:rPr lang="ja-JP" altLang="en-US" sz="1600" dirty="0"/>
+              <a:t>  </a:t>
+            </a:r>
+            <a:r>
+              <a:rPr lang="ja-JP" altLang="en-US" sz="1600" dirty="0" smtClean="0"/>
+              <a:t> 　　    </a:t>
+            </a:r>
+            <a:r>
+              <a:rPr lang="ja-JP" altLang="en-US" sz="1600" dirty="0"/>
+              <a:t>*</a:t>
+            </a:r>
+            <a:r>
+              <a:rPr lang="en-US" altLang="ja-JP" sz="1600" dirty="0"/>
+              <a:t>/</a:t>
+            </a:r>
+          </a:p>
+          <a:p>
+            <a:r>
+              <a:rPr lang="en-US" altLang="ja-JP" sz="1600" dirty="0"/>
+              <a:t>  </a:t>
+            </a:r>
+            <a:r>
+              <a:rPr lang="en-US" altLang="ja-JP" sz="1600" dirty="0" smtClean="0"/>
+              <a:t>      </a:t>
+            </a:r>
+            <a:r>
+              <a:rPr lang="en-US" altLang="ja-JP" sz="1600" dirty="0">
+                <a:solidFill>
+                  <a:schemeClr val="accent2">
+                    <a:lumMod val="50000"/>
+                  </a:schemeClr>
+                </a:solidFill>
+              </a:rPr>
+              <a:t>public void</a:t>
+            </a:r>
+            <a:r>
+              <a:rPr lang="en-US" altLang="ja-JP" sz="1600" dirty="0"/>
+              <a:t> testGetGreets_5</a:t>
+            </a:r>
+            <a:r>
+              <a:rPr lang="ja-JP" altLang="en-US" sz="1600" dirty="0"/>
+              <a:t>時から</a:t>
+            </a:r>
+            <a:r>
+              <a:rPr lang="en-US" altLang="ja-JP" sz="1600" dirty="0"/>
+              <a:t>11</a:t>
+            </a:r>
+            <a:r>
+              <a:rPr lang="ja-JP" altLang="en-US" sz="1600" dirty="0"/>
+              <a:t>時</a:t>
+            </a:r>
+            <a:r>
+              <a:rPr lang="en-US" altLang="ja-JP" sz="1600" dirty="0"/>
+              <a:t>() {</a:t>
+            </a:r>
+          </a:p>
+          <a:p>
+            <a:r>
+              <a:rPr lang="en-US" altLang="ja-JP" sz="1600" dirty="0"/>
+              <a:t>   </a:t>
+            </a:r>
+            <a:r>
+              <a:rPr lang="en-US" altLang="ja-JP" sz="1600" dirty="0" smtClean="0"/>
+              <a:t>             </a:t>
+            </a:r>
+            <a:r>
+              <a:rPr lang="en-US" altLang="ja-JP" sz="1600" dirty="0"/>
+              <a:t>String </a:t>
+            </a:r>
+            <a:r>
+              <a:rPr lang="en-US" altLang="ja-JP" sz="1600" dirty="0">
+                <a:solidFill>
+                  <a:srgbClr val="00B050"/>
+                </a:solidFill>
+              </a:rPr>
+              <a:t>expect</a:t>
+            </a:r>
+            <a:r>
+              <a:rPr lang="en-US" altLang="ja-JP" sz="1600" dirty="0"/>
+              <a:t> = </a:t>
+            </a:r>
+            <a:r>
+              <a:rPr lang="en-US" altLang="ja-JP" sz="1600" dirty="0">
+                <a:solidFill>
+                  <a:srgbClr val="0070C0"/>
+                </a:solidFill>
+              </a:rPr>
+              <a:t>"</a:t>
+            </a:r>
+            <a:r>
+              <a:rPr lang="ja-JP" altLang="en-US" sz="1600" dirty="0">
+                <a:solidFill>
+                  <a:srgbClr val="0070C0"/>
+                </a:solidFill>
+              </a:rPr>
+              <a:t>おはようございます</a:t>
+            </a:r>
+            <a:r>
+              <a:rPr lang="en-US" altLang="ja-JP" sz="1600" dirty="0">
+                <a:solidFill>
+                  <a:srgbClr val="0070C0"/>
+                </a:solidFill>
+              </a:rPr>
+              <a:t>"</a:t>
+            </a:r>
+            <a:r>
+              <a:rPr lang="en-US" altLang="ja-JP" sz="1600" dirty="0"/>
+              <a:t>;</a:t>
+            </a:r>
+          </a:p>
+          <a:p>
+            <a:r>
+              <a:rPr lang="en-US" altLang="ja-JP" sz="1600" dirty="0"/>
+              <a:t>   </a:t>
+            </a:r>
+            <a:r>
+              <a:rPr lang="en-US" altLang="ja-JP" sz="1600" dirty="0" smtClean="0"/>
+              <a:t>             </a:t>
+            </a:r>
+            <a:r>
+              <a:rPr lang="en-US" altLang="ja-JP" sz="1600" dirty="0">
+                <a:solidFill>
+                  <a:schemeClr val="accent2">
+                    <a:lumMod val="50000"/>
+                  </a:schemeClr>
+                </a:solidFill>
+              </a:rPr>
+              <a:t>for</a:t>
+            </a:r>
+            <a:r>
+              <a:rPr lang="en-US" altLang="ja-JP" sz="1600" dirty="0"/>
+              <a:t> (</a:t>
+            </a:r>
+            <a:r>
+              <a:rPr lang="en-US" altLang="ja-JP" sz="1600" dirty="0" err="1">
+                <a:solidFill>
+                  <a:schemeClr val="accent2">
+                    <a:lumMod val="50000"/>
+                  </a:schemeClr>
+                </a:solidFill>
+              </a:rPr>
+              <a:t>int</a:t>
+            </a:r>
+            <a:r>
+              <a:rPr lang="en-US" altLang="ja-JP" sz="1600" dirty="0">
+                <a:solidFill>
+                  <a:srgbClr val="00B050"/>
+                </a:solidFill>
+              </a:rPr>
+              <a:t> </a:t>
+            </a:r>
+            <a:r>
+              <a:rPr lang="en-US" altLang="ja-JP" sz="1600" dirty="0" err="1">
+                <a:solidFill>
+                  <a:srgbClr val="00B050"/>
+                </a:solidFill>
+              </a:rPr>
+              <a:t>i</a:t>
+            </a:r>
+            <a:r>
+              <a:rPr lang="en-US" altLang="ja-JP" sz="1600" dirty="0">
+                <a:solidFill>
+                  <a:srgbClr val="00B050"/>
+                </a:solidFill>
+              </a:rPr>
+              <a:t> </a:t>
+            </a:r>
+            <a:r>
+              <a:rPr lang="en-US" altLang="ja-JP" sz="1600" dirty="0"/>
+              <a:t>= 5;</a:t>
+            </a:r>
+            <a:r>
+              <a:rPr lang="en-US" altLang="ja-JP" sz="1600" dirty="0">
+                <a:solidFill>
+                  <a:srgbClr val="00B050"/>
+                </a:solidFill>
+              </a:rPr>
+              <a:t> </a:t>
+            </a:r>
+            <a:r>
+              <a:rPr lang="en-US" altLang="ja-JP" sz="1600" dirty="0" err="1">
+                <a:solidFill>
+                  <a:srgbClr val="00B050"/>
+                </a:solidFill>
+              </a:rPr>
+              <a:t>i</a:t>
+            </a:r>
+            <a:r>
+              <a:rPr lang="en-US" altLang="ja-JP" sz="1600" dirty="0">
+                <a:solidFill>
+                  <a:srgbClr val="00B050"/>
+                </a:solidFill>
+              </a:rPr>
+              <a:t> </a:t>
+            </a:r>
+            <a:r>
+              <a:rPr lang="en-US" altLang="ja-JP" sz="1600" dirty="0"/>
+              <a:t>&lt;= 11;</a:t>
+            </a:r>
+            <a:r>
+              <a:rPr lang="en-US" altLang="ja-JP" sz="1600" dirty="0">
+                <a:solidFill>
+                  <a:srgbClr val="00B050"/>
+                </a:solidFill>
+              </a:rPr>
+              <a:t> </a:t>
+            </a:r>
+            <a:r>
+              <a:rPr lang="en-US" altLang="ja-JP" sz="1600" dirty="0" err="1">
+                <a:solidFill>
+                  <a:srgbClr val="00B050"/>
+                </a:solidFill>
+              </a:rPr>
+              <a:t>i</a:t>
+            </a:r>
+            <a:r>
+              <a:rPr lang="en-US" altLang="ja-JP" sz="1600" dirty="0"/>
+              <a:t>++) {</a:t>
+            </a:r>
+          </a:p>
+          <a:p>
+            <a:r>
+              <a:rPr lang="en-US" altLang="ja-JP" sz="1600" dirty="0"/>
+              <a:t>   </a:t>
+            </a:r>
+            <a:r>
+              <a:rPr lang="en-US" altLang="ja-JP" sz="1600" dirty="0" smtClean="0"/>
+              <a:t>                     </a:t>
+            </a:r>
+            <a:r>
+              <a:rPr lang="en-US" altLang="ja-JP" sz="1600" dirty="0"/>
+              <a:t>String </a:t>
+            </a:r>
+            <a:r>
+              <a:rPr lang="en-US" altLang="ja-JP" sz="1600" dirty="0">
+                <a:solidFill>
+                  <a:srgbClr val="00B050"/>
+                </a:solidFill>
+              </a:rPr>
+              <a:t>result </a:t>
+            </a:r>
+            <a:r>
+              <a:rPr lang="en-US" altLang="ja-JP" sz="1600" dirty="0"/>
+              <a:t>= </a:t>
+            </a:r>
+            <a:r>
+              <a:rPr lang="en-US" altLang="ja-JP" sz="1600" dirty="0">
+                <a:solidFill>
+                  <a:srgbClr val="0070C0"/>
+                </a:solidFill>
+              </a:rPr>
+              <a:t>"default"</a:t>
+            </a:r>
+            <a:r>
+              <a:rPr lang="en-US" altLang="ja-JP" sz="1600" dirty="0"/>
+              <a:t>;</a:t>
+            </a:r>
+          </a:p>
+          <a:p>
+            <a:r>
+              <a:rPr lang="en-US" altLang="ja-JP" sz="1600" dirty="0"/>
+              <a:t>  </a:t>
+            </a:r>
+            <a:r>
+              <a:rPr lang="en-US" altLang="ja-JP" sz="1600" dirty="0" smtClean="0"/>
+              <a:t>                      </a:t>
+            </a:r>
+            <a:r>
+              <a:rPr lang="en-US" altLang="ja-JP" sz="1600" dirty="0">
+                <a:solidFill>
+                  <a:schemeClr val="accent2">
+                    <a:lumMod val="50000"/>
+                  </a:schemeClr>
+                </a:solidFill>
+              </a:rPr>
+              <a:t>try</a:t>
+            </a:r>
+            <a:r>
+              <a:rPr lang="en-US" altLang="ja-JP" sz="1600" dirty="0"/>
+              <a:t> {</a:t>
+            </a:r>
+          </a:p>
+          <a:p>
+            <a:r>
+              <a:rPr lang="en-US" altLang="ja-JP" sz="1600" dirty="0"/>
+              <a:t>   </a:t>
+            </a:r>
+            <a:r>
+              <a:rPr lang="en-US" altLang="ja-JP" sz="1600" dirty="0" smtClean="0"/>
+              <a:t>                           </a:t>
+            </a:r>
+            <a:r>
+              <a:rPr lang="en-US" altLang="ja-JP" sz="1600" dirty="0">
+                <a:solidFill>
+                  <a:srgbClr val="00B050"/>
+                </a:solidFill>
+              </a:rPr>
+              <a:t>result</a:t>
+            </a:r>
+            <a:r>
+              <a:rPr lang="en-US" altLang="ja-JP" sz="1600" dirty="0"/>
+              <a:t> = </a:t>
+            </a:r>
+            <a:r>
+              <a:rPr lang="en-US" altLang="ja-JP" sz="1600" dirty="0">
+                <a:solidFill>
+                  <a:srgbClr val="0070C0"/>
+                </a:solidFill>
+              </a:rPr>
+              <a:t>testClass</a:t>
+            </a:r>
+            <a:r>
+              <a:rPr lang="en-US" altLang="ja-JP" sz="1600" dirty="0"/>
+              <a:t>.getGreets(</a:t>
+            </a:r>
+            <a:r>
+              <a:rPr lang="en-US" altLang="ja-JP" sz="1600" dirty="0" err="1"/>
+              <a:t>String.valueOf</a:t>
+            </a:r>
+            <a:r>
+              <a:rPr lang="en-US" altLang="ja-JP" sz="1600" dirty="0"/>
+              <a:t>(</a:t>
+            </a:r>
+            <a:r>
+              <a:rPr lang="en-US" altLang="ja-JP" sz="1600" dirty="0" err="1">
+                <a:solidFill>
+                  <a:srgbClr val="00B050"/>
+                </a:solidFill>
+              </a:rPr>
+              <a:t>i</a:t>
+            </a:r>
+            <a:r>
+              <a:rPr lang="en-US" altLang="ja-JP" sz="1600" dirty="0"/>
+              <a:t>));</a:t>
+            </a:r>
+          </a:p>
+          <a:p>
+            <a:r>
+              <a:rPr lang="en-US" altLang="ja-JP" sz="1600" dirty="0"/>
+              <a:t>       </a:t>
+            </a:r>
+            <a:r>
+              <a:rPr lang="en-US" altLang="ja-JP" sz="1600" dirty="0" smtClean="0"/>
+              <a:t>                 </a:t>
+            </a:r>
+            <a:r>
+              <a:rPr lang="en-US" altLang="ja-JP" sz="1600" dirty="0"/>
+              <a:t>} </a:t>
+            </a:r>
+            <a:r>
+              <a:rPr lang="en-US" altLang="ja-JP" sz="1600" dirty="0">
+                <a:solidFill>
+                  <a:schemeClr val="accent2">
+                    <a:lumMod val="50000"/>
+                  </a:schemeClr>
+                </a:solidFill>
+              </a:rPr>
+              <a:t>catch</a:t>
+            </a:r>
+            <a:r>
+              <a:rPr lang="en-US" altLang="ja-JP" sz="1600" dirty="0"/>
+              <a:t> (Exception </a:t>
+            </a:r>
+            <a:r>
+              <a:rPr lang="en-US" altLang="ja-JP" sz="1600" dirty="0">
+                <a:solidFill>
+                  <a:srgbClr val="00B050"/>
+                </a:solidFill>
+              </a:rPr>
+              <a:t>e</a:t>
+            </a:r>
+            <a:r>
+              <a:rPr lang="en-US" altLang="ja-JP" sz="1600" dirty="0"/>
+              <a:t>) {</a:t>
+            </a:r>
+          </a:p>
+          <a:p>
+            <a:r>
+              <a:rPr lang="en-US" altLang="ja-JP" sz="1600" dirty="0"/>
+              <a:t>     </a:t>
+            </a:r>
+            <a:r>
+              <a:rPr lang="en-US" altLang="ja-JP" sz="1600" dirty="0" smtClean="0"/>
+              <a:t>                         </a:t>
+            </a:r>
+            <a:r>
+              <a:rPr lang="en-US" altLang="ja-JP" sz="1600" dirty="0"/>
+              <a:t>;</a:t>
+            </a:r>
+          </a:p>
+          <a:p>
+            <a:r>
+              <a:rPr lang="en-US" altLang="ja-JP" sz="1600" dirty="0"/>
+              <a:t>    </a:t>
+            </a:r>
+            <a:r>
+              <a:rPr lang="en-US" altLang="ja-JP" sz="1600" dirty="0" smtClean="0"/>
+              <a:t>                    </a:t>
+            </a:r>
+            <a:r>
+              <a:rPr lang="en-US" altLang="ja-JP" sz="1600" dirty="0"/>
+              <a:t>}</a:t>
+            </a:r>
+          </a:p>
+          <a:p>
+            <a:r>
+              <a:rPr lang="en-US" altLang="ja-JP" sz="1600" dirty="0"/>
+              <a:t>   </a:t>
+            </a:r>
+            <a:r>
+              <a:rPr lang="en-US" altLang="ja-JP" sz="1600" dirty="0" smtClean="0"/>
+              <a:t>                     </a:t>
+            </a:r>
+            <a:r>
+              <a:rPr lang="en-US" altLang="ja-JP" sz="1600" dirty="0"/>
+              <a:t>assertEquals(</a:t>
+            </a:r>
+            <a:r>
+              <a:rPr lang="en-US" altLang="ja-JP" sz="1600" dirty="0">
+                <a:solidFill>
+                  <a:srgbClr val="00B050"/>
+                </a:solidFill>
+              </a:rPr>
+              <a:t>expect</a:t>
+            </a:r>
+            <a:r>
+              <a:rPr lang="en-US" altLang="ja-JP" sz="1600" dirty="0"/>
+              <a:t>, </a:t>
+            </a:r>
+            <a:r>
+              <a:rPr lang="en-US" altLang="ja-JP" sz="1600" dirty="0">
+                <a:solidFill>
+                  <a:srgbClr val="00B050"/>
+                </a:solidFill>
+              </a:rPr>
+              <a:t>result</a:t>
+            </a:r>
+            <a:r>
+              <a:rPr lang="en-US" altLang="ja-JP" sz="1600" dirty="0"/>
+              <a:t>);</a:t>
+            </a:r>
+          </a:p>
+          <a:p>
+            <a:r>
+              <a:rPr lang="en-US" altLang="ja-JP" sz="1600" dirty="0"/>
+              <a:t>   </a:t>
+            </a:r>
+            <a:r>
+              <a:rPr lang="en-US" altLang="ja-JP" sz="1600" dirty="0" smtClean="0"/>
+              <a:t>              </a:t>
+            </a:r>
+            <a:r>
+              <a:rPr lang="en-US" altLang="ja-JP" sz="1600" dirty="0"/>
+              <a:t>}</a:t>
+            </a:r>
+          </a:p>
+          <a:p>
+            <a:r>
+              <a:rPr lang="en-US" altLang="ja-JP" sz="1600" dirty="0"/>
+              <a:t>   </a:t>
+            </a:r>
+            <a:r>
+              <a:rPr lang="en-US" altLang="ja-JP" sz="1600" dirty="0" smtClean="0"/>
+              <a:t>      </a:t>
+            </a:r>
+            <a:r>
+              <a:rPr lang="en-US" altLang="ja-JP" sz="1600" dirty="0"/>
+              <a:t>}</a:t>
+            </a:r>
+          </a:p>
+          <a:p>
+            <a:r>
+              <a:rPr kumimoji="1" lang="en-US" altLang="ja-JP" sz="1600" dirty="0" smtClean="0"/>
+              <a:t>}</a:t>
+            </a:r>
+            <a:endParaRPr kumimoji="1" lang="ja-JP" altLang="en-US" sz="1600" dirty="0"/>
+          </a:p>
+        </p:txBody>
+      </p:sp>
+    </p:spTree>
+    <p:extLst>
+      <p:ext uri="{BB962C8B-B14F-4D97-AF65-F5344CB8AC3E}">
+        <p14:creationId xmlns:p14="http://schemas.microsoft.com/office/powerpoint/2010/main" val="676150784"/>
+      </p:ext>
+    </p:extLst>
+  </p:cSld>
+  <p:clrMapOvr>
+    <a:masterClrMapping/>
+  </p:clrMapOvr>
+  <p:timing>
+    <p:tnLst>
+      <p:par>
+        <p:cTn id="1" dur="indefinite" restart="never" nodeType="tmRoot"/>
+      </p:par>
+    </p:tnLst>
+  </p:timing>
+</p:sld>
+</file>
+
+<file path=ppt/slides/slide12.xml><?xml version="1.0" encoding="utf-8"?>
+<p:sld xmlns:a="http://schemas.openxmlformats.org/drawingml/2006/main" xmlns:r="http://schemas.openxmlformats.org/officeDocument/2006/relationships" xmlns:p="http://schemas.openxmlformats.org/presentationml/2006/main">
+  <p:cSld>
+    <p:spTree>
+      <p:nvGrpSpPr>
+        <p:cNvPr id="1" name=""/>
+        <p:cNvGrpSpPr/>
+        <p:nvPr/>
+      </p:nvGrpSpPr>
+      <p:grpSpPr>
+        <a:xfrm>
+          <a:off x="0" y="0"/>
+          <a:ext cx="0" cy="0"/>
+          <a:chOff x="0" y="0"/>
+          <a:chExt cx="0" cy="0"/>
+        </a:xfrm>
+      </p:grpSpPr>
+      <p:sp>
+        <p:nvSpPr>
+          <p:cNvPr id="2" name="コンテンツ プレースホルダー 1"/>
+          <p:cNvSpPr>
+            <a:spLocks noGrp="1"/>
+          </p:cNvSpPr>
+          <p:nvPr>
+            <p:ph idx="1"/>
+          </p:nvPr>
+        </p:nvSpPr>
+        <p:spPr/>
+        <p:txBody>
+          <a:bodyPr/>
+          <a:lstStyle/>
+          <a:p>
+            <a:endParaRPr kumimoji="1" lang="ja-JP" altLang="en-US"/>
+          </a:p>
+        </p:txBody>
+      </p:sp>
+      <p:sp>
+        <p:nvSpPr>
+          <p:cNvPr id="3" name="タイトル 2"/>
+          <p:cNvSpPr>
+            <a:spLocks noGrp="1"/>
+          </p:cNvSpPr>
+          <p:nvPr>
+            <p:ph type="title"/>
+          </p:nvPr>
+        </p:nvSpPr>
+        <p:spPr/>
+        <p:txBody>
+          <a:bodyPr/>
+          <a:lstStyle/>
+          <a:p>
+            <a:r>
+              <a:rPr kumimoji="1" lang="ja-JP" altLang="en-US" dirty="0" smtClean="0"/>
+              <a:t>感想</a:t>
+            </a:r>
+            <a:endParaRPr kumimoji="1" lang="ja-JP" altLang="en-US" dirty="0"/>
+          </a:p>
+        </p:txBody>
+      </p:sp>
+    </p:spTree>
+    <p:extLst>
+      <p:ext uri="{BB962C8B-B14F-4D97-AF65-F5344CB8AC3E}">
+        <p14:creationId xmlns:p14="http://schemas.microsoft.com/office/powerpoint/2010/main" val="3364979701"/>
+      </p:ext>
+    </p:extLst>
+  </p:cSld>
+  <p:clrMapOvr>
+    <a:masterClrMapping/>
+  </p:clrMapOvr>
+  <p:timing>
+    <p:tnLst>
+      <p:par>
+        <p:cTn id="1" dur="indefinite" restart="never" nodeType="tmRoot"/>
+      </p:par>
+    </p:tnLst>
+  </p:timing>
+</p:sld>
+</file>
+
 <file path=ppt/slides/slide2.xml><?xml version="1.0" encoding="utf-8"?>
 <p:sld xmlns:a="http://schemas.openxmlformats.org/drawingml/2006/main" xmlns:r="http://schemas.openxmlformats.org/officeDocument/2006/relationships" xmlns:p="http://schemas.openxmlformats.org/presentationml/2006/main">
   <p:cSld>
@@ -5660,6 +7640,13 @@
   <p:clrMapOvr>
     <a:masterClrMapping/>
   </p:clrMapOvr>
+  <p:timing>
+    <p:tnLst>
+      <p:par>
+        <p:cTn id="1" dur="indefinite" restart="never" nodeType="tmRoot"/>
+      </p:par>
+    </p:tnLst>
+  </p:timing>
 </p:sld>
 </file>
 
@@ -5770,7 +7757,7 @@
             <a:avLst/>
           </a:prstGeom>
           <a:solidFill>
-            <a:srgbClr val="92D050"/>
+            <a:srgbClr val="6CA62C"/>
           </a:solidFill>
           <a:ln>
             <a:solidFill>
@@ -6042,6 +8029,13 @@
   <p:clrMapOvr>
     <a:masterClrMapping/>
   </p:clrMapOvr>
+  <p:timing>
+    <p:tnLst>
+      <p:par>
+        <p:cTn id="1" dur="indefinite" restart="never" nodeType="tmRoot"/>
+      </p:par>
+    </p:tnLst>
+  </p:timing>
 </p:sld>
 </file>
 
@@ -6214,6 +8208,13 @@
   <p:clrMapOvr>
     <a:masterClrMapping/>
   </p:clrMapOvr>
+  <p:timing>
+    <p:tnLst>
+      <p:par>
+        <p:cTn id="1" dur="indefinite" restart="never" nodeType="tmRoot"/>
+      </p:par>
+    </p:tnLst>
+  </p:timing>
 </p:sld>
 </file>
 
@@ -6236,12 +8237,12 @@
       </p:grpSpPr>
       <p:sp>
         <p:nvSpPr>
-          <p:cNvPr id="2" name="コンテンツ プレースホルダー 1"/>
-          <p:cNvSpPr>
-            <a:spLocks noGrp="1"/>
-          </p:cNvSpPr>
-          <p:nvPr>
-            <p:ph idx="1"/>
+          <p:cNvPr id="3" name="タイトル 2"/>
+          <p:cNvSpPr>
+            <a:spLocks noGrp="1"/>
+          </p:cNvSpPr>
+          <p:nvPr>
+            <p:ph type="title"/>
           </p:nvPr>
         </p:nvSpPr>
         <p:spPr/>
@@ -6249,28 +8250,9 @@
           <a:bodyPr/>
           <a:lstStyle/>
           <a:p>
-            <a:endParaRPr kumimoji="1" lang="ja-JP" altLang="en-US"/>
-          </a:p>
-        </p:txBody>
-      </p:sp>
-      <p:sp>
-        <p:nvSpPr>
-          <p:cNvPr id="3" name="タイトル 2"/>
-          <p:cNvSpPr>
-            <a:spLocks noGrp="1"/>
-          </p:cNvSpPr>
-          <p:nvPr>
-            <p:ph type="title"/>
-          </p:nvPr>
-        </p:nvSpPr>
-        <p:spPr/>
-        <p:txBody>
-          <a:bodyPr/>
-          <a:lstStyle/>
-          <a:p>
             <a:r>
               <a:rPr kumimoji="1" lang="ja-JP" altLang="en-US" dirty="0" smtClean="0"/>
-              <a:t>感想</a:t>
+              <a:t>実際にやってみる</a:t>
             </a:r>
             <a:endParaRPr kumimoji="1" lang="ja-JP" altLang="en-US" dirty="0"/>
           </a:p>
@@ -6279,13 +8261,1168 @@
     </p:spTree>
     <p:extLst>
       <p:ext uri="{BB962C8B-B14F-4D97-AF65-F5344CB8AC3E}">
-        <p14:creationId xmlns:p14="http://schemas.microsoft.com/office/powerpoint/2010/main" val="3364979701"/>
+        <p14:creationId xmlns:p14="http://schemas.microsoft.com/office/powerpoint/2010/main" val="3635993575"/>
       </p:ext>
     </p:extLst>
   </p:cSld>
   <p:clrMapOvr>
     <a:masterClrMapping/>
   </p:clrMapOvr>
+  <p:timing>
+    <p:tnLst>
+      <p:par>
+        <p:cTn id="1" dur="indefinite" restart="never" nodeType="tmRoot"/>
+      </p:par>
+    </p:tnLst>
+  </p:timing>
+</p:sld>
+</file>
+
+<file path=ppt/slides/slide6.xml><?xml version="1.0" encoding="utf-8"?>
+<p:sld xmlns:a="http://schemas.openxmlformats.org/drawingml/2006/main" xmlns:r="http://schemas.openxmlformats.org/officeDocument/2006/relationships" xmlns:p="http://schemas.openxmlformats.org/presentationml/2006/main">
+  <p:cSld>
+    <p:spTree>
+      <p:nvGrpSpPr>
+        <p:cNvPr id="1" name=""/>
+        <p:cNvGrpSpPr/>
+        <p:nvPr/>
+      </p:nvGrpSpPr>
+      <p:grpSpPr>
+        <a:xfrm>
+          <a:off x="0" y="0"/>
+          <a:ext cx="0" cy="0"/>
+          <a:chOff x="0" y="0"/>
+          <a:chExt cx="0" cy="0"/>
+        </a:xfrm>
+      </p:grpSpPr>
+      <p:sp>
+        <p:nvSpPr>
+          <p:cNvPr id="3" name="タイトル 2"/>
+          <p:cNvSpPr>
+            <a:spLocks noGrp="1"/>
+          </p:cNvSpPr>
+          <p:nvPr>
+            <p:ph type="title"/>
+          </p:nvPr>
+        </p:nvSpPr>
+        <p:spPr/>
+        <p:txBody>
+          <a:bodyPr/>
+          <a:lstStyle/>
+          <a:p>
+            <a:r>
+              <a:rPr kumimoji="1" lang="ja-JP" altLang="en-US" dirty="0" smtClean="0"/>
+              <a:t>実際にやってみる</a:t>
+            </a:r>
+            <a:endParaRPr kumimoji="1" lang="ja-JP" altLang="en-US" dirty="0"/>
+          </a:p>
+        </p:txBody>
+      </p:sp>
+      <p:sp>
+        <p:nvSpPr>
+          <p:cNvPr id="2" name="角丸四角形 1"/>
+          <p:cNvSpPr/>
+          <p:nvPr/>
+        </p:nvSpPr>
+        <p:spPr>
+          <a:xfrm>
+            <a:off x="5436096" y="1916832"/>
+            <a:ext cx="2736304" cy="3960440"/>
+          </a:xfrm>
+          <a:prstGeom prst="roundRect">
+            <a:avLst>
+              <a:gd name="adj" fmla="val 6806"/>
+            </a:avLst>
+          </a:prstGeom>
+          <a:noFill/>
+          <a:ln>
+            <a:solidFill>
+              <a:srgbClr val="00B050"/>
+            </a:solidFill>
+          </a:ln>
+        </p:spPr>
+        <p:style>
+          <a:lnRef idx="2">
+            <a:schemeClr val="accent1">
+              <a:shade val="50000"/>
+            </a:schemeClr>
+          </a:lnRef>
+          <a:fillRef idx="1">
+            <a:schemeClr val="accent1"/>
+          </a:fillRef>
+          <a:effectRef idx="0">
+            <a:schemeClr val="accent1"/>
+          </a:effectRef>
+          <a:fontRef idx="minor">
+            <a:schemeClr val="lt1"/>
+          </a:fontRef>
+        </p:style>
+        <p:txBody>
+          <a:bodyPr rtlCol="0" anchor="ctr"/>
+          <a:lstStyle/>
+          <a:p>
+            <a:pPr algn="ctr"/>
+            <a:r>
+              <a:rPr kumimoji="1" lang="en-US" altLang="ja-JP" sz="4800" dirty="0" smtClean="0">
+                <a:solidFill>
+                  <a:schemeClr val="tx1"/>
+                </a:solidFill>
+              </a:rPr>
+              <a:t>Android</a:t>
+            </a:r>
+          </a:p>
+          <a:p>
+            <a:pPr algn="ctr"/>
+            <a:r>
+              <a:rPr kumimoji="1" lang="ja-JP" altLang="en-US" sz="4800" dirty="0" smtClean="0">
+                <a:solidFill>
+                  <a:schemeClr val="tx1"/>
+                </a:solidFill>
+              </a:rPr>
+              <a:t>アプリ</a:t>
+            </a:r>
+            <a:endParaRPr kumimoji="1" lang="ja-JP" altLang="en-US" sz="4800" dirty="0">
+              <a:solidFill>
+                <a:schemeClr val="tx1"/>
+              </a:solidFill>
+            </a:endParaRPr>
+          </a:p>
+        </p:txBody>
+      </p:sp>
+      <p:sp>
+        <p:nvSpPr>
+          <p:cNvPr id="5" name="正方形/長方形 4"/>
+          <p:cNvSpPr/>
+          <p:nvPr/>
+        </p:nvSpPr>
+        <p:spPr>
+          <a:xfrm>
+            <a:off x="841518" y="2060848"/>
+            <a:ext cx="2204380" cy="1296144"/>
+          </a:xfrm>
+          <a:prstGeom prst="rect">
+            <a:avLst/>
+          </a:prstGeom>
+          <a:noFill/>
+        </p:spPr>
+        <p:style>
+          <a:lnRef idx="2">
+            <a:schemeClr val="accent1">
+              <a:shade val="50000"/>
+            </a:schemeClr>
+          </a:lnRef>
+          <a:fillRef idx="1">
+            <a:schemeClr val="accent1"/>
+          </a:fillRef>
+          <a:effectRef idx="0">
+            <a:schemeClr val="accent1"/>
+          </a:effectRef>
+          <a:fontRef idx="minor">
+            <a:schemeClr val="lt1"/>
+          </a:fontRef>
+        </p:style>
+        <p:txBody>
+          <a:bodyPr rtlCol="0" anchor="ctr"/>
+          <a:lstStyle/>
+          <a:p>
+            <a:pPr algn="ctr"/>
+            <a:r>
+              <a:rPr kumimoji="1" lang="ja-JP" altLang="en-US" dirty="0" smtClean="0">
+                <a:solidFill>
+                  <a:schemeClr val="tx1"/>
+                </a:solidFill>
+              </a:rPr>
+              <a:t>時間</a:t>
+            </a:r>
+            <a:endParaRPr kumimoji="1" lang="en-US" altLang="ja-JP" dirty="0" smtClean="0">
+              <a:solidFill>
+                <a:schemeClr val="tx1"/>
+              </a:solidFill>
+            </a:endParaRPr>
+          </a:p>
+          <a:p>
+            <a:pPr algn="ctr"/>
+            <a:r>
+              <a:rPr lang="ja-JP" altLang="en-US" dirty="0" smtClean="0">
+                <a:solidFill>
+                  <a:schemeClr val="tx1"/>
+                </a:solidFill>
+              </a:rPr>
+              <a:t>（</a:t>
+            </a:r>
+            <a:r>
+              <a:rPr lang="en-US" altLang="ja-JP" dirty="0" smtClean="0">
+                <a:solidFill>
+                  <a:schemeClr val="tx1"/>
+                </a:solidFill>
+              </a:rPr>
+              <a:t>”</a:t>
+            </a:r>
+            <a:r>
+              <a:rPr lang="ja-JP" altLang="en-US" dirty="0" smtClean="0">
+                <a:solidFill>
+                  <a:schemeClr val="tx1"/>
+                </a:solidFill>
+              </a:rPr>
+              <a:t>１２時</a:t>
+            </a:r>
+            <a:r>
+              <a:rPr lang="en-US" altLang="ja-JP" dirty="0" smtClean="0">
+                <a:solidFill>
+                  <a:schemeClr val="tx1"/>
+                </a:solidFill>
+              </a:rPr>
+              <a:t>”</a:t>
+            </a:r>
+            <a:r>
+              <a:rPr lang="ja-JP" altLang="en-US" dirty="0" smtClean="0">
+                <a:solidFill>
+                  <a:schemeClr val="tx1"/>
+                </a:solidFill>
+              </a:rPr>
+              <a:t>とか）</a:t>
+            </a:r>
+            <a:endParaRPr kumimoji="1" lang="ja-JP" altLang="en-US" dirty="0">
+              <a:solidFill>
+                <a:schemeClr val="tx1"/>
+              </a:solidFill>
+            </a:endParaRPr>
+          </a:p>
+        </p:txBody>
+      </p:sp>
+      <p:sp>
+        <p:nvSpPr>
+          <p:cNvPr id="6" name="正方形/長方形 5"/>
+          <p:cNvSpPr/>
+          <p:nvPr/>
+        </p:nvSpPr>
+        <p:spPr>
+          <a:xfrm>
+            <a:off x="841518" y="4581128"/>
+            <a:ext cx="2204380" cy="1296144"/>
+          </a:xfrm>
+          <a:prstGeom prst="rect">
+            <a:avLst/>
+          </a:prstGeom>
+          <a:noFill/>
+        </p:spPr>
+        <p:style>
+          <a:lnRef idx="2">
+            <a:schemeClr val="accent1">
+              <a:shade val="50000"/>
+            </a:schemeClr>
+          </a:lnRef>
+          <a:fillRef idx="1">
+            <a:schemeClr val="accent1"/>
+          </a:fillRef>
+          <a:effectRef idx="0">
+            <a:schemeClr val="accent1"/>
+          </a:effectRef>
+          <a:fontRef idx="minor">
+            <a:schemeClr val="lt1"/>
+          </a:fontRef>
+        </p:style>
+        <p:txBody>
+          <a:bodyPr rtlCol="0" anchor="ctr"/>
+          <a:lstStyle/>
+          <a:p>
+            <a:pPr algn="ctr"/>
+            <a:r>
+              <a:rPr lang="ja-JP" altLang="en-US" dirty="0">
+                <a:solidFill>
+                  <a:schemeClr val="tx1"/>
+                </a:solidFill>
+              </a:rPr>
+              <a:t>挨拶</a:t>
+            </a:r>
+            <a:endParaRPr kumimoji="1" lang="en-US" altLang="ja-JP" dirty="0" smtClean="0">
+              <a:solidFill>
+                <a:schemeClr val="tx1"/>
+              </a:solidFill>
+            </a:endParaRPr>
+          </a:p>
+          <a:p>
+            <a:pPr algn="ctr"/>
+            <a:r>
+              <a:rPr lang="ja-JP" altLang="en-US" dirty="0" smtClean="0">
+                <a:solidFill>
+                  <a:schemeClr val="tx1"/>
+                </a:solidFill>
+              </a:rPr>
+              <a:t>（</a:t>
+            </a:r>
+            <a:r>
+              <a:rPr lang="en-US" altLang="ja-JP" dirty="0" smtClean="0">
+                <a:solidFill>
+                  <a:schemeClr val="tx1"/>
+                </a:solidFill>
+              </a:rPr>
+              <a:t>”</a:t>
+            </a:r>
+            <a:r>
+              <a:rPr lang="ja-JP" altLang="en-US" dirty="0">
+                <a:solidFill>
+                  <a:schemeClr val="tx1"/>
+                </a:solidFill>
+              </a:rPr>
+              <a:t>こんにちは</a:t>
+            </a:r>
+            <a:r>
+              <a:rPr lang="en-US" altLang="ja-JP" dirty="0" smtClean="0">
+                <a:solidFill>
+                  <a:schemeClr val="tx1"/>
+                </a:solidFill>
+              </a:rPr>
+              <a:t>”</a:t>
+            </a:r>
+            <a:r>
+              <a:rPr lang="ja-JP" altLang="en-US" dirty="0" smtClean="0">
+                <a:solidFill>
+                  <a:schemeClr val="tx1"/>
+                </a:solidFill>
+              </a:rPr>
+              <a:t>とか）</a:t>
+            </a:r>
+            <a:endParaRPr kumimoji="1" lang="ja-JP" altLang="en-US" dirty="0">
+              <a:solidFill>
+                <a:schemeClr val="tx1"/>
+              </a:solidFill>
+            </a:endParaRPr>
+          </a:p>
+        </p:txBody>
+      </p:sp>
+      <p:sp>
+        <p:nvSpPr>
+          <p:cNvPr id="7" name="右矢印 6"/>
+          <p:cNvSpPr/>
+          <p:nvPr/>
+        </p:nvSpPr>
+        <p:spPr>
+          <a:xfrm rot="1102556">
+            <a:off x="3627407" y="2656729"/>
+            <a:ext cx="1152128" cy="697039"/>
+          </a:xfrm>
+          <a:prstGeom prst="rightArrow">
+            <a:avLst/>
+          </a:prstGeom>
+          <a:solidFill>
+            <a:srgbClr val="FFFF00"/>
+          </a:solidFill>
+          <a:ln>
+            <a:solidFill>
+              <a:srgbClr val="FFC000"/>
+            </a:solidFill>
+          </a:ln>
+        </p:spPr>
+        <p:style>
+          <a:lnRef idx="2">
+            <a:schemeClr val="accent1">
+              <a:shade val="50000"/>
+            </a:schemeClr>
+          </a:lnRef>
+          <a:fillRef idx="1">
+            <a:schemeClr val="accent1"/>
+          </a:fillRef>
+          <a:effectRef idx="0">
+            <a:schemeClr val="accent1"/>
+          </a:effectRef>
+          <a:fontRef idx="minor">
+            <a:schemeClr val="lt1"/>
+          </a:fontRef>
+        </p:style>
+        <p:txBody>
+          <a:bodyPr rtlCol="0" anchor="ctr"/>
+          <a:lstStyle/>
+          <a:p>
+            <a:pPr algn="ctr"/>
+            <a:endParaRPr kumimoji="1" lang="ja-JP" altLang="en-US"/>
+          </a:p>
+        </p:txBody>
+      </p:sp>
+      <p:sp>
+        <p:nvSpPr>
+          <p:cNvPr id="8" name="右矢印 7"/>
+          <p:cNvSpPr/>
+          <p:nvPr/>
+        </p:nvSpPr>
+        <p:spPr>
+          <a:xfrm rot="9202556">
+            <a:off x="3658990" y="4370280"/>
+            <a:ext cx="1152128" cy="697039"/>
+          </a:xfrm>
+          <a:prstGeom prst="rightArrow">
+            <a:avLst/>
+          </a:prstGeom>
+          <a:solidFill>
+            <a:srgbClr val="FFFF00"/>
+          </a:solidFill>
+          <a:ln>
+            <a:solidFill>
+              <a:srgbClr val="FFC000"/>
+            </a:solidFill>
+          </a:ln>
+        </p:spPr>
+        <p:style>
+          <a:lnRef idx="2">
+            <a:schemeClr val="accent1">
+              <a:shade val="50000"/>
+            </a:schemeClr>
+          </a:lnRef>
+          <a:fillRef idx="1">
+            <a:schemeClr val="accent1"/>
+          </a:fillRef>
+          <a:effectRef idx="0">
+            <a:schemeClr val="accent1"/>
+          </a:effectRef>
+          <a:fontRef idx="minor">
+            <a:schemeClr val="lt1"/>
+          </a:fontRef>
+        </p:style>
+        <p:txBody>
+          <a:bodyPr rtlCol="0" anchor="ctr"/>
+          <a:lstStyle/>
+          <a:p>
+            <a:pPr algn="ctr"/>
+            <a:endParaRPr kumimoji="1" lang="ja-JP" altLang="en-US"/>
+          </a:p>
+        </p:txBody>
+      </p:sp>
+    </p:spTree>
+    <p:extLst>
+      <p:ext uri="{BB962C8B-B14F-4D97-AF65-F5344CB8AC3E}">
+        <p14:creationId xmlns:p14="http://schemas.microsoft.com/office/powerpoint/2010/main" val="2547698699"/>
+      </p:ext>
+    </p:extLst>
+  </p:cSld>
+  <p:clrMapOvr>
+    <a:masterClrMapping/>
+  </p:clrMapOvr>
+  <p:timing>
+    <p:tnLst>
+      <p:par>
+        <p:cTn id="1" dur="indefinite" restart="never" nodeType="tmRoot"/>
+      </p:par>
+    </p:tnLst>
+  </p:timing>
+</p:sld>
+</file>
+
+<file path=ppt/slides/slide7.xml><?xml version="1.0" encoding="utf-8"?>
+<p:sld xmlns:a="http://schemas.openxmlformats.org/drawingml/2006/main" xmlns:r="http://schemas.openxmlformats.org/officeDocument/2006/relationships" xmlns:p="http://schemas.openxmlformats.org/presentationml/2006/main">
+  <p:cSld>
+    <p:spTree>
+      <p:nvGrpSpPr>
+        <p:cNvPr id="1" name=""/>
+        <p:cNvGrpSpPr/>
+        <p:nvPr/>
+      </p:nvGrpSpPr>
+      <p:grpSpPr>
+        <a:xfrm>
+          <a:off x="0" y="0"/>
+          <a:ext cx="0" cy="0"/>
+          <a:chOff x="0" y="0"/>
+          <a:chExt cx="0" cy="0"/>
+        </a:xfrm>
+      </p:grpSpPr>
+      <p:sp>
+        <p:nvSpPr>
+          <p:cNvPr id="3" name="タイトル 2"/>
+          <p:cNvSpPr>
+            <a:spLocks noGrp="1"/>
+          </p:cNvSpPr>
+          <p:nvPr>
+            <p:ph type="title"/>
+          </p:nvPr>
+        </p:nvSpPr>
+        <p:spPr/>
+        <p:txBody>
+          <a:bodyPr/>
+          <a:lstStyle/>
+          <a:p>
+            <a:r>
+              <a:rPr kumimoji="1" lang="ja-JP" altLang="en-US" dirty="0" smtClean="0"/>
+              <a:t>実際にやってみる</a:t>
+            </a:r>
+            <a:endParaRPr kumimoji="1" lang="ja-JP" altLang="en-US" dirty="0"/>
+          </a:p>
+        </p:txBody>
+      </p:sp>
+      <p:sp>
+        <p:nvSpPr>
+          <p:cNvPr id="10" name="正方形/長方形 9"/>
+          <p:cNvSpPr/>
+          <p:nvPr/>
+        </p:nvSpPr>
+        <p:spPr>
+          <a:xfrm>
+            <a:off x="395536" y="2996952"/>
+            <a:ext cx="2047892" cy="792088"/>
+          </a:xfrm>
+          <a:prstGeom prst="rect">
+            <a:avLst/>
+          </a:prstGeom>
+          <a:ln w="3175">
+            <a:solidFill>
+              <a:schemeClr val="tx1"/>
+            </a:solidFill>
+          </a:ln>
+        </p:spPr>
+        <p:style>
+          <a:lnRef idx="2">
+            <a:schemeClr val="accent1">
+              <a:shade val="50000"/>
+            </a:schemeClr>
+          </a:lnRef>
+          <a:fillRef idx="1">
+            <a:schemeClr val="accent1"/>
+          </a:fillRef>
+          <a:effectRef idx="0">
+            <a:schemeClr val="accent1"/>
+          </a:effectRef>
+          <a:fontRef idx="minor">
+            <a:schemeClr val="lt1"/>
+          </a:fontRef>
+        </p:style>
+        <p:txBody>
+          <a:bodyPr rtlCol="0" anchor="ctr"/>
+          <a:lstStyle/>
+          <a:p>
+            <a:pPr algn="ctr"/>
+            <a:endParaRPr kumimoji="1" lang="ja-JP" altLang="en-US"/>
+          </a:p>
+        </p:txBody>
+      </p:sp>
+      <p:sp>
+        <p:nvSpPr>
+          <p:cNvPr id="11" name="正方形/長方形 10"/>
+          <p:cNvSpPr/>
+          <p:nvPr/>
+        </p:nvSpPr>
+        <p:spPr>
+          <a:xfrm>
+            <a:off x="2443428" y="2996952"/>
+            <a:ext cx="2047892" cy="792088"/>
+          </a:xfrm>
+          <a:prstGeom prst="rect">
+            <a:avLst/>
+          </a:prstGeom>
+          <a:solidFill>
+            <a:srgbClr val="F9790F"/>
+          </a:solidFill>
+          <a:ln w="3175">
+            <a:solidFill>
+              <a:schemeClr val="tx1"/>
+            </a:solidFill>
+          </a:ln>
+        </p:spPr>
+        <p:style>
+          <a:lnRef idx="2">
+            <a:schemeClr val="accent1">
+              <a:shade val="50000"/>
+            </a:schemeClr>
+          </a:lnRef>
+          <a:fillRef idx="1">
+            <a:schemeClr val="accent1"/>
+          </a:fillRef>
+          <a:effectRef idx="0">
+            <a:schemeClr val="accent1"/>
+          </a:effectRef>
+          <a:fontRef idx="minor">
+            <a:schemeClr val="lt1"/>
+          </a:fontRef>
+        </p:style>
+        <p:txBody>
+          <a:bodyPr rtlCol="0" anchor="ctr"/>
+          <a:lstStyle/>
+          <a:p>
+            <a:pPr algn="ctr"/>
+            <a:endParaRPr kumimoji="1" lang="ja-JP" altLang="en-US"/>
+          </a:p>
+        </p:txBody>
+      </p:sp>
+      <p:sp>
+        <p:nvSpPr>
+          <p:cNvPr id="12" name="正方形/長方形 11"/>
+          <p:cNvSpPr/>
+          <p:nvPr/>
+        </p:nvSpPr>
+        <p:spPr>
+          <a:xfrm>
+            <a:off x="6539212" y="2996952"/>
+            <a:ext cx="2047892" cy="792088"/>
+          </a:xfrm>
+          <a:prstGeom prst="rect">
+            <a:avLst/>
+          </a:prstGeom>
+          <a:ln w="3175">
+            <a:solidFill>
+              <a:schemeClr val="tx1"/>
+            </a:solidFill>
+          </a:ln>
+        </p:spPr>
+        <p:style>
+          <a:lnRef idx="2">
+            <a:schemeClr val="accent1">
+              <a:shade val="50000"/>
+            </a:schemeClr>
+          </a:lnRef>
+          <a:fillRef idx="1">
+            <a:schemeClr val="accent1"/>
+          </a:fillRef>
+          <a:effectRef idx="0">
+            <a:schemeClr val="accent1"/>
+          </a:effectRef>
+          <a:fontRef idx="minor">
+            <a:schemeClr val="lt1"/>
+          </a:fontRef>
+        </p:style>
+        <p:txBody>
+          <a:bodyPr rtlCol="0" anchor="ctr"/>
+          <a:lstStyle/>
+          <a:p>
+            <a:pPr algn="ctr"/>
+            <a:endParaRPr kumimoji="1" lang="ja-JP" altLang="en-US"/>
+          </a:p>
+        </p:txBody>
+      </p:sp>
+      <p:sp>
+        <p:nvSpPr>
+          <p:cNvPr id="13" name="正方形/長方形 12"/>
+          <p:cNvSpPr/>
+          <p:nvPr/>
+        </p:nvSpPr>
+        <p:spPr>
+          <a:xfrm>
+            <a:off x="4491320" y="2996952"/>
+            <a:ext cx="2047892" cy="792088"/>
+          </a:xfrm>
+          <a:prstGeom prst="rect">
+            <a:avLst/>
+          </a:prstGeom>
+          <a:solidFill>
+            <a:srgbClr val="00B050"/>
+          </a:solidFill>
+          <a:ln w="3175">
+            <a:solidFill>
+              <a:schemeClr val="tx1"/>
+            </a:solidFill>
+          </a:ln>
+        </p:spPr>
+        <p:style>
+          <a:lnRef idx="2">
+            <a:schemeClr val="accent1">
+              <a:shade val="50000"/>
+            </a:schemeClr>
+          </a:lnRef>
+          <a:fillRef idx="1">
+            <a:schemeClr val="accent1"/>
+          </a:fillRef>
+          <a:effectRef idx="0">
+            <a:schemeClr val="accent1"/>
+          </a:effectRef>
+          <a:fontRef idx="minor">
+            <a:schemeClr val="lt1"/>
+          </a:fontRef>
+        </p:style>
+        <p:txBody>
+          <a:bodyPr rtlCol="0" anchor="ctr"/>
+          <a:lstStyle/>
+          <a:p>
+            <a:pPr algn="ctr"/>
+            <a:endParaRPr kumimoji="1" lang="ja-JP" altLang="en-US"/>
+          </a:p>
+        </p:txBody>
+      </p:sp>
+      <p:sp>
+        <p:nvSpPr>
+          <p:cNvPr id="14" name="テキスト ボックス 13"/>
+          <p:cNvSpPr txBox="1"/>
+          <p:nvPr/>
+        </p:nvSpPr>
+        <p:spPr>
+          <a:xfrm>
+            <a:off x="395536" y="2564904"/>
+            <a:ext cx="8424936" cy="369332"/>
+          </a:xfrm>
+          <a:prstGeom prst="rect">
+            <a:avLst/>
+          </a:prstGeom>
+          <a:noFill/>
+        </p:spPr>
+        <p:txBody>
+          <a:bodyPr wrap="square" rtlCol="0">
+            <a:spAutoFit/>
+          </a:bodyPr>
+          <a:lstStyle/>
+          <a:p>
+            <a:r>
+              <a:rPr kumimoji="1" lang="en-US" altLang="ja-JP" dirty="0" smtClean="0"/>
+              <a:t>0</a:t>
+            </a:r>
+            <a:r>
+              <a:rPr kumimoji="1" lang="ja-JP" altLang="en-US" dirty="0" smtClean="0"/>
+              <a:t>時　　　　　　　</a:t>
+            </a:r>
+            <a:r>
+              <a:rPr kumimoji="1" lang="en-US" altLang="ja-JP" dirty="0" smtClean="0"/>
+              <a:t>4</a:t>
+            </a:r>
+            <a:r>
+              <a:rPr kumimoji="1" lang="ja-JP" altLang="en-US" dirty="0" smtClean="0"/>
+              <a:t>時　</a:t>
+            </a:r>
+            <a:r>
+              <a:rPr kumimoji="1" lang="en-US" altLang="ja-JP" dirty="0" smtClean="0"/>
+              <a:t>5</a:t>
+            </a:r>
+            <a:r>
+              <a:rPr kumimoji="1" lang="ja-JP" altLang="en-US" dirty="0" smtClean="0"/>
+              <a:t>時　　　　　　　</a:t>
+            </a:r>
+            <a:r>
+              <a:rPr kumimoji="1" lang="en-US" altLang="ja-JP" dirty="0" smtClean="0"/>
+              <a:t>11</a:t>
+            </a:r>
+            <a:r>
+              <a:rPr kumimoji="1" lang="ja-JP" altLang="en-US" dirty="0" smtClean="0"/>
+              <a:t>時　</a:t>
+            </a:r>
+            <a:r>
+              <a:rPr kumimoji="1" lang="en-US" altLang="ja-JP" dirty="0" smtClean="0"/>
+              <a:t>12</a:t>
+            </a:r>
+            <a:r>
+              <a:rPr kumimoji="1" lang="ja-JP" altLang="en-US" dirty="0" smtClean="0"/>
+              <a:t>時　　　　　</a:t>
+            </a:r>
+            <a:r>
+              <a:rPr kumimoji="1" lang="en-US" altLang="ja-JP" dirty="0" smtClean="0"/>
+              <a:t>18</a:t>
+            </a:r>
+            <a:r>
+              <a:rPr kumimoji="1" lang="ja-JP" altLang="en-US" dirty="0" smtClean="0"/>
+              <a:t>時　</a:t>
+            </a:r>
+            <a:r>
+              <a:rPr kumimoji="1" lang="en-US" altLang="ja-JP" dirty="0" smtClean="0"/>
+              <a:t>19</a:t>
+            </a:r>
+            <a:r>
+              <a:rPr kumimoji="1" lang="ja-JP" altLang="en-US" dirty="0" smtClean="0"/>
+              <a:t>時　　　　　　　</a:t>
+            </a:r>
+            <a:r>
+              <a:rPr kumimoji="1" lang="en-US" altLang="ja-JP" dirty="0" smtClean="0"/>
+              <a:t>23</a:t>
+            </a:r>
+            <a:r>
+              <a:rPr kumimoji="1" lang="ja-JP" altLang="en-US" dirty="0" smtClean="0"/>
+              <a:t>時</a:t>
+            </a:r>
+            <a:endParaRPr kumimoji="1" lang="ja-JP" altLang="en-US" dirty="0"/>
+          </a:p>
+        </p:txBody>
+      </p:sp>
+      <p:sp>
+        <p:nvSpPr>
+          <p:cNvPr id="15" name="テキスト ボックス 14"/>
+          <p:cNvSpPr txBox="1"/>
+          <p:nvPr/>
+        </p:nvSpPr>
+        <p:spPr>
+          <a:xfrm>
+            <a:off x="323528" y="3275692"/>
+            <a:ext cx="8424936" cy="369332"/>
+          </a:xfrm>
+          <a:prstGeom prst="rect">
+            <a:avLst/>
+          </a:prstGeom>
+          <a:noFill/>
+        </p:spPr>
+        <p:txBody>
+          <a:bodyPr wrap="square" rtlCol="0">
+            <a:spAutoFit/>
+          </a:bodyPr>
+          <a:lstStyle/>
+          <a:p>
+            <a:r>
+              <a:rPr kumimoji="1" lang="ja-JP" altLang="en-US" dirty="0" smtClean="0">
+                <a:solidFill>
+                  <a:schemeClr val="bg1"/>
+                </a:solidFill>
+              </a:rPr>
+              <a:t>　　　こんばんは　　　　おはようございます　　　　こんにちは　　　　　　こんばんは</a:t>
+            </a:r>
+            <a:endParaRPr kumimoji="1" lang="ja-JP" altLang="en-US" dirty="0">
+              <a:solidFill>
+                <a:schemeClr val="bg1"/>
+              </a:solidFill>
+            </a:endParaRPr>
+          </a:p>
+        </p:txBody>
+      </p:sp>
+    </p:spTree>
+    <p:extLst>
+      <p:ext uri="{BB962C8B-B14F-4D97-AF65-F5344CB8AC3E}">
+        <p14:creationId xmlns:p14="http://schemas.microsoft.com/office/powerpoint/2010/main" val="2597425827"/>
+      </p:ext>
+    </p:extLst>
+  </p:cSld>
+  <p:clrMapOvr>
+    <a:masterClrMapping/>
+  </p:clrMapOvr>
+  <p:timing>
+    <p:tnLst>
+      <p:par>
+        <p:cTn id="1" dur="indefinite" restart="never" nodeType="tmRoot"/>
+      </p:par>
+    </p:tnLst>
+  </p:timing>
+</p:sld>
+</file>
+
+<file path=ppt/slides/slide8.xml><?xml version="1.0" encoding="utf-8"?>
+<p:sld xmlns:a="http://schemas.openxmlformats.org/drawingml/2006/main" xmlns:r="http://schemas.openxmlformats.org/officeDocument/2006/relationships" xmlns:p="http://schemas.openxmlformats.org/presentationml/2006/main">
+  <p:cSld>
+    <p:spTree>
+      <p:nvGrpSpPr>
+        <p:cNvPr id="1" name=""/>
+        <p:cNvGrpSpPr/>
+        <p:nvPr/>
+      </p:nvGrpSpPr>
+      <p:grpSpPr>
+        <a:xfrm>
+          <a:off x="0" y="0"/>
+          <a:ext cx="0" cy="0"/>
+          <a:chOff x="0" y="0"/>
+          <a:chExt cx="0" cy="0"/>
+        </a:xfrm>
+      </p:grpSpPr>
+      <p:sp>
+        <p:nvSpPr>
+          <p:cNvPr id="3" name="タイトル 2"/>
+          <p:cNvSpPr>
+            <a:spLocks noGrp="1"/>
+          </p:cNvSpPr>
+          <p:nvPr>
+            <p:ph type="title"/>
+          </p:nvPr>
+        </p:nvSpPr>
+        <p:spPr/>
+        <p:txBody>
+          <a:bodyPr/>
+          <a:lstStyle/>
+          <a:p>
+            <a:r>
+              <a:rPr lang="ja-JP" altLang="en-US" dirty="0"/>
+              <a:t>１</a:t>
+            </a:r>
+            <a:r>
+              <a:rPr lang="ja-JP" altLang="en-US" dirty="0" smtClean="0"/>
+              <a:t>．テストを書く</a:t>
+            </a:r>
+            <a:endParaRPr kumimoji="1" lang="ja-JP" altLang="en-US" dirty="0"/>
+          </a:p>
+        </p:txBody>
+      </p:sp>
+    </p:spTree>
+    <p:extLst>
+      <p:ext uri="{BB962C8B-B14F-4D97-AF65-F5344CB8AC3E}">
+        <p14:creationId xmlns:p14="http://schemas.microsoft.com/office/powerpoint/2010/main" val="1606808102"/>
+      </p:ext>
+    </p:extLst>
+  </p:cSld>
+  <p:clrMapOvr>
+    <a:masterClrMapping/>
+  </p:clrMapOvr>
+  <p:timing>
+    <p:tnLst>
+      <p:par>
+        <p:cTn id="1" dur="indefinite" restart="never" nodeType="tmRoot"/>
+      </p:par>
+    </p:tnLst>
+  </p:timing>
+</p:sld>
+</file>
+
+<file path=ppt/slides/slide9.xml><?xml version="1.0" encoding="utf-8"?>
+<p:sld xmlns:a="http://schemas.openxmlformats.org/drawingml/2006/main" xmlns:r="http://schemas.openxmlformats.org/officeDocument/2006/relationships" xmlns:p="http://schemas.openxmlformats.org/presentationml/2006/main">
+  <p:cSld>
+    <p:spTree>
+      <p:nvGrpSpPr>
+        <p:cNvPr id="1" name=""/>
+        <p:cNvGrpSpPr/>
+        <p:nvPr/>
+      </p:nvGrpSpPr>
+      <p:grpSpPr>
+        <a:xfrm>
+          <a:off x="0" y="0"/>
+          <a:ext cx="0" cy="0"/>
+          <a:chOff x="0" y="0"/>
+          <a:chExt cx="0" cy="0"/>
+        </a:xfrm>
+      </p:grpSpPr>
+      <p:sp>
+        <p:nvSpPr>
+          <p:cNvPr id="3" name="タイトル 2"/>
+          <p:cNvSpPr>
+            <a:spLocks noGrp="1"/>
+          </p:cNvSpPr>
+          <p:nvPr>
+            <p:ph type="title"/>
+          </p:nvPr>
+        </p:nvSpPr>
+        <p:spPr/>
+        <p:txBody>
+          <a:bodyPr/>
+          <a:lstStyle/>
+          <a:p>
+            <a:r>
+              <a:rPr lang="ja-JP" altLang="en-US" dirty="0" smtClean="0"/>
+              <a:t>テストを書く</a:t>
+            </a:r>
+            <a:endParaRPr kumimoji="1" lang="ja-JP" altLang="en-US" dirty="0"/>
+          </a:p>
+        </p:txBody>
+      </p:sp>
+      <p:sp>
+        <p:nvSpPr>
+          <p:cNvPr id="2" name="テキスト ボックス 1"/>
+          <p:cNvSpPr txBox="1"/>
+          <p:nvPr/>
+        </p:nvSpPr>
+        <p:spPr>
+          <a:xfrm>
+            <a:off x="899592" y="1484784"/>
+            <a:ext cx="7200800" cy="646331"/>
+          </a:xfrm>
+          <a:prstGeom prst="rect">
+            <a:avLst/>
+          </a:prstGeom>
+          <a:noFill/>
+        </p:spPr>
+        <p:txBody>
+          <a:bodyPr wrap="square" rtlCol="0">
+            <a:spAutoFit/>
+          </a:bodyPr>
+          <a:lstStyle/>
+          <a:p>
+            <a:r>
+              <a:rPr kumimoji="1" lang="ja-JP" altLang="en-US" sz="3600" dirty="0" smtClean="0"/>
+              <a:t>その前に、アウトラインだけ作ります。</a:t>
+            </a:r>
+            <a:endParaRPr kumimoji="1" lang="ja-JP" altLang="en-US" sz="3600" dirty="0"/>
+          </a:p>
+        </p:txBody>
+      </p:sp>
+      <p:sp>
+        <p:nvSpPr>
+          <p:cNvPr id="4" name="テキスト ボックス 3"/>
+          <p:cNvSpPr txBox="1"/>
+          <p:nvPr/>
+        </p:nvSpPr>
+        <p:spPr>
+          <a:xfrm>
+            <a:off x="539552" y="2405206"/>
+            <a:ext cx="8208912" cy="1815882"/>
+          </a:xfrm>
+          <a:prstGeom prst="rect">
+            <a:avLst/>
+          </a:prstGeom>
+          <a:noFill/>
+          <a:ln>
+            <a:solidFill>
+              <a:schemeClr val="tx1"/>
+            </a:solidFill>
+          </a:ln>
+        </p:spPr>
+        <p:txBody>
+          <a:bodyPr wrap="square" rtlCol="0">
+            <a:spAutoFit/>
+          </a:bodyPr>
+          <a:lstStyle/>
+          <a:p>
+            <a:r>
+              <a:rPr lang="en-US" altLang="ja-JP" sz="1600" dirty="0">
+                <a:solidFill>
+                  <a:schemeClr val="accent2">
+                    <a:lumMod val="50000"/>
+                  </a:schemeClr>
+                </a:solidFill>
+              </a:rPr>
+              <a:t>public class </a:t>
+            </a:r>
+            <a:r>
+              <a:rPr lang="en-US" altLang="ja-JP" sz="1600" dirty="0"/>
+              <a:t>MainActivity </a:t>
+            </a:r>
+            <a:r>
+              <a:rPr lang="en-US" altLang="ja-JP" sz="1600" dirty="0">
+                <a:solidFill>
+                  <a:schemeClr val="accent2">
+                    <a:lumMod val="50000"/>
+                  </a:schemeClr>
+                </a:solidFill>
+              </a:rPr>
+              <a:t>extends </a:t>
+            </a:r>
+            <a:r>
+              <a:rPr lang="en-US" altLang="ja-JP" sz="1600" dirty="0"/>
+              <a:t>ActionBarActivity </a:t>
+            </a:r>
+            <a:r>
+              <a:rPr lang="en-US" altLang="ja-JP" sz="1600" dirty="0" smtClean="0"/>
+              <a:t>{</a:t>
+            </a:r>
+          </a:p>
+          <a:p>
+            <a:endParaRPr lang="en-US" altLang="ja-JP" sz="1600" dirty="0" smtClean="0"/>
+          </a:p>
+          <a:p>
+            <a:r>
+              <a:rPr lang="ja-JP" altLang="en-US" sz="1600" dirty="0"/>
+              <a:t>　</a:t>
+            </a:r>
+            <a:r>
+              <a:rPr lang="ja-JP" altLang="en-US" sz="1600" dirty="0" smtClean="0"/>
+              <a:t>　　　</a:t>
+            </a:r>
+            <a:r>
+              <a:rPr lang="en-US" altLang="ja-JP" sz="1600" dirty="0" smtClean="0">
+                <a:solidFill>
+                  <a:schemeClr val="accent2">
+                    <a:lumMod val="50000"/>
+                  </a:schemeClr>
+                </a:solidFill>
+              </a:rPr>
+              <a:t>public </a:t>
+            </a:r>
+            <a:r>
+              <a:rPr lang="en-US" altLang="ja-JP" sz="1600" dirty="0">
+                <a:solidFill>
+                  <a:schemeClr val="accent2">
+                    <a:lumMod val="50000"/>
+                  </a:schemeClr>
+                </a:solidFill>
+              </a:rPr>
+              <a:t>String </a:t>
+            </a:r>
+            <a:r>
+              <a:rPr lang="en-US" altLang="ja-JP" sz="1600" dirty="0" err="1" smtClean="0"/>
+              <a:t>getGreets</a:t>
+            </a:r>
+            <a:r>
+              <a:rPr lang="en-US" altLang="ja-JP" sz="1600" dirty="0" smtClean="0"/>
+              <a:t>(String </a:t>
+            </a:r>
+            <a:r>
+              <a:rPr lang="en-US" altLang="ja-JP" sz="1600" dirty="0">
+                <a:solidFill>
+                  <a:schemeClr val="accent2"/>
+                </a:solidFill>
+              </a:rPr>
+              <a:t>hour</a:t>
+            </a:r>
+            <a:r>
+              <a:rPr lang="en-US" altLang="ja-JP" sz="1600" dirty="0"/>
+              <a:t>) </a:t>
+            </a:r>
+            <a:r>
+              <a:rPr lang="en-US" altLang="ja-JP" sz="1600" dirty="0" smtClean="0">
+                <a:solidFill>
+                  <a:schemeClr val="accent2">
+                    <a:lumMod val="50000"/>
+                  </a:schemeClr>
+                </a:solidFill>
+              </a:rPr>
+              <a:t>throws</a:t>
+            </a:r>
+            <a:r>
+              <a:rPr lang="ja-JP" altLang="en-US" sz="1600" dirty="0" smtClean="0"/>
+              <a:t>　</a:t>
+            </a:r>
+            <a:r>
+              <a:rPr lang="en-US" altLang="ja-JP" sz="1600" dirty="0" smtClean="0"/>
+              <a:t>IllegalVariableException {</a:t>
+            </a:r>
+          </a:p>
+          <a:p>
+            <a:r>
+              <a:rPr lang="en-US" altLang="ja-JP" sz="1600" dirty="0" smtClean="0"/>
+              <a:t>        </a:t>
+            </a:r>
+            <a:r>
+              <a:rPr lang="ja-JP" altLang="en-US" sz="1600" dirty="0" smtClean="0"/>
+              <a:t>　　　　</a:t>
+            </a:r>
+            <a:r>
+              <a:rPr lang="en-US" altLang="ja-JP" sz="1600" dirty="0" smtClean="0">
+                <a:solidFill>
+                  <a:schemeClr val="accent2">
+                    <a:lumMod val="50000"/>
+                  </a:schemeClr>
+                </a:solidFill>
+              </a:rPr>
+              <a:t>return </a:t>
+            </a:r>
+            <a:r>
+              <a:rPr lang="en-US" altLang="ja-JP" sz="1600" dirty="0">
+                <a:solidFill>
+                  <a:schemeClr val="accent2">
+                    <a:lumMod val="50000"/>
+                  </a:schemeClr>
+                </a:solidFill>
+              </a:rPr>
+              <a:t>null</a:t>
+            </a:r>
+            <a:r>
+              <a:rPr lang="en-US" altLang="ja-JP" sz="1600" dirty="0" smtClean="0"/>
+              <a:t>;</a:t>
+            </a:r>
+          </a:p>
+          <a:p>
+            <a:r>
+              <a:rPr lang="en-US" altLang="ja-JP" sz="1600" dirty="0" smtClean="0"/>
+              <a:t>    </a:t>
+            </a:r>
+            <a:r>
+              <a:rPr lang="ja-JP" altLang="en-US" sz="1600" dirty="0" smtClean="0"/>
+              <a:t>　　</a:t>
+            </a:r>
+            <a:r>
+              <a:rPr lang="en-US" altLang="ja-JP" sz="1600" dirty="0" smtClean="0"/>
+              <a:t>}</a:t>
+            </a:r>
+          </a:p>
+          <a:p>
+            <a:endParaRPr kumimoji="1" lang="en-US" altLang="ja-JP" sz="1600" dirty="0"/>
+          </a:p>
+          <a:p>
+            <a:r>
+              <a:rPr kumimoji="1" lang="en-US" altLang="ja-JP" sz="1600" dirty="0" smtClean="0"/>
+              <a:t>}</a:t>
+            </a:r>
+            <a:endParaRPr kumimoji="1" lang="ja-JP" altLang="en-US" sz="1600" dirty="0"/>
+          </a:p>
+        </p:txBody>
+      </p:sp>
+    </p:spTree>
+    <p:extLst>
+      <p:ext uri="{BB962C8B-B14F-4D97-AF65-F5344CB8AC3E}">
+        <p14:creationId xmlns:p14="http://schemas.microsoft.com/office/powerpoint/2010/main" val="3953767130"/>
+      </p:ext>
+    </p:extLst>
+  </p:cSld>
+  <p:clrMapOvr>
+    <a:masterClrMapping/>
+  </p:clrMapOvr>
+  <p:timing>
+    <p:tnLst>
+      <p:par>
+        <p:cTn id="1" dur="indefinite" restart="never" nodeType="tmRoot"/>
+      </p:par>
+    </p:tnLst>
+  </p:timing>
 </p:sld>
 </file>
 

--- a/テスト駆動開発（TDD）.pptx
+++ b/テスト駆動開発（TDD）.pptx
@@ -5,7 +5,7 @@
     <p:sldMasterId id="2147483684" r:id="rId1"/>
   </p:sldMasterIdLst>
   <p:notesMasterIdLst>
-    <p:notesMasterId r:id="rId14"/>
+    <p:notesMasterId r:id="rId15"/>
   </p:notesMasterIdLst>
   <p:sldIdLst>
     <p:sldId id="256" r:id="rId2"/>
@@ -19,7 +19,8 @@
     <p:sldId id="265" r:id="rId10"/>
     <p:sldId id="266" r:id="rId11"/>
     <p:sldId id="267" r:id="rId12"/>
-    <p:sldId id="259" r:id="rId13"/>
+    <p:sldId id="269" r:id="rId13"/>
+    <p:sldId id="259" r:id="rId14"/>
   </p:sldIdLst>
   <p:sldSz cx="9144000" cy="6858000" type="screen4x3"/>
   <p:notesSz cx="6858000" cy="9144000"/>
@@ -118,6 +119,22 @@
       </a:defRPr>
     </a:lvl9pPr>
   </p:defaultTextStyle>
+  <p:extLst>
+    <p:ext uri="{EFAFB233-063F-42B5-8137-9DF3F51BA10A}">
+      <p15:sldGuideLst xmlns:p15="http://schemas.microsoft.com/office/powerpoint/2012/main">
+        <p15:guide id="1" orient="horz" pos="2160">
+          <p15:clr>
+            <a:srgbClr val="A4A3A4"/>
+          </p15:clr>
+        </p15:guide>
+        <p15:guide id="2" pos="2880">
+          <p15:clr>
+            <a:srgbClr val="A4A3A4"/>
+          </p15:clr>
+        </p15:guide>
+      </p15:sldGuideLst>
+    </p:ext>
+  </p:extLst>
 </p:presentation>
 </file>
 
@@ -203,7 +220,7 @@
           <a:p>
             <a:fld id="{B64965FB-0B6F-4481-B62F-524022D02E87}" type="datetimeFigureOut">
               <a:rPr kumimoji="1" lang="ja-JP" altLang="en-US" smtClean="0"/>
-              <a:t>2014/9/5</a:t>
+              <a:t>2014/9/10</a:t>
             </a:fld>
             <a:endParaRPr kumimoji="1" lang="ja-JP" altLang="en-US"/>
           </a:p>
@@ -578,6 +595,90 @@
     <p:extLst>
       <p:ext uri="{BB962C8B-B14F-4D97-AF65-F5344CB8AC3E}">
         <p14:creationId xmlns:p14="http://schemas.microsoft.com/office/powerpoint/2010/main" val="2636845106"/>
+      </p:ext>
+    </p:extLst>
+  </p:cSld>
+  <p:clrMapOvr>
+    <a:masterClrMapping/>
+  </p:clrMapOvr>
+</p:notes>
+</file>
+
+<file path=ppt/notesSlides/notesSlide10.xml><?xml version="1.0" encoding="utf-8"?>
+<p:notes xmlns:a="http://schemas.openxmlformats.org/drawingml/2006/main" xmlns:r="http://schemas.openxmlformats.org/officeDocument/2006/relationships" xmlns:p="http://schemas.openxmlformats.org/presentationml/2006/main">
+  <p:cSld>
+    <p:spTree>
+      <p:nvGrpSpPr>
+        <p:cNvPr id="1" name=""/>
+        <p:cNvGrpSpPr/>
+        <p:nvPr/>
+      </p:nvGrpSpPr>
+      <p:grpSpPr>
+        <a:xfrm>
+          <a:off x="0" y="0"/>
+          <a:ext cx="0" cy="0"/>
+          <a:chOff x="0" y="0"/>
+          <a:chExt cx="0" cy="0"/>
+        </a:xfrm>
+      </p:grpSpPr>
+      <p:sp>
+        <p:nvSpPr>
+          <p:cNvPr id="2" name="スライド イメージ プレースホルダー 1"/>
+          <p:cNvSpPr>
+            <a:spLocks noGrp="1" noRot="1" noChangeAspect="1"/>
+          </p:cNvSpPr>
+          <p:nvPr>
+            <p:ph type="sldImg"/>
+          </p:nvPr>
+        </p:nvSpPr>
+        <p:spPr/>
+      </p:sp>
+      <p:sp>
+        <p:nvSpPr>
+          <p:cNvPr id="3" name="ノート プレースホルダー 2"/>
+          <p:cNvSpPr>
+            <a:spLocks noGrp="1"/>
+          </p:cNvSpPr>
+          <p:nvPr>
+            <p:ph type="body" idx="1"/>
+          </p:nvPr>
+        </p:nvSpPr>
+        <p:spPr/>
+        <p:txBody>
+          <a:bodyPr/>
+          <a:lstStyle/>
+          <a:p>
+            <a:endParaRPr kumimoji="1" lang="ja-JP" altLang="en-US" dirty="0"/>
+          </a:p>
+        </p:txBody>
+      </p:sp>
+      <p:sp>
+        <p:nvSpPr>
+          <p:cNvPr id="4" name="スライド番号プレースホルダー 3"/>
+          <p:cNvSpPr>
+            <a:spLocks noGrp="1"/>
+          </p:cNvSpPr>
+          <p:nvPr>
+            <p:ph type="sldNum" sz="quarter" idx="10"/>
+          </p:nvPr>
+        </p:nvSpPr>
+        <p:spPr/>
+        <p:txBody>
+          <a:bodyPr/>
+          <a:lstStyle/>
+          <a:p>
+            <a:fld id="{14AB48DF-E49A-442B-B4FA-384A84449B3A}" type="slidenum">
+              <a:rPr kumimoji="1" lang="ja-JP" altLang="en-US" smtClean="0"/>
+              <a:t>12</a:t>
+            </a:fld>
+            <a:endParaRPr kumimoji="1" lang="ja-JP" altLang="en-US"/>
+          </a:p>
+        </p:txBody>
+      </p:sp>
+    </p:spTree>
+    <p:extLst>
+      <p:ext uri="{BB962C8B-B14F-4D97-AF65-F5344CB8AC3E}">
+        <p14:creationId xmlns:p14="http://schemas.microsoft.com/office/powerpoint/2010/main" val="1186216122"/>
       </p:ext>
     </p:extLst>
   </p:cSld>
@@ -1884,7 +1985,7 @@
           <a:p>
             <a:fld id="{9F82CBF2-C64B-4CDF-92A5-7C0BB11A4003}" type="datetimeFigureOut">
               <a:rPr kumimoji="1" lang="ja-JP" altLang="en-US" smtClean="0"/>
-              <a:t>2014/9/5</a:t>
+              <a:t>2014/9/10</a:t>
             </a:fld>
             <a:endParaRPr kumimoji="1" lang="ja-JP" altLang="en-US"/>
           </a:p>
@@ -2119,7 +2220,7 @@
           <a:p>
             <a:fld id="{9F82CBF2-C64B-4CDF-92A5-7C0BB11A4003}" type="datetimeFigureOut">
               <a:rPr kumimoji="1" lang="ja-JP" altLang="en-US" smtClean="0"/>
-              <a:t>2014/9/5</a:t>
+              <a:t>2014/9/10</a:t>
             </a:fld>
             <a:endParaRPr kumimoji="1" lang="ja-JP" altLang="en-US"/>
           </a:p>
@@ -2343,7 +2444,7 @@
           <a:p>
             <a:fld id="{9F82CBF2-C64B-4CDF-92A5-7C0BB11A4003}" type="datetimeFigureOut">
               <a:rPr kumimoji="1" lang="ja-JP" altLang="en-US" smtClean="0"/>
-              <a:t>2014/9/5</a:t>
+              <a:t>2014/9/10</a:t>
             </a:fld>
             <a:endParaRPr kumimoji="1" lang="ja-JP" altLang="en-US"/>
           </a:p>
@@ -2532,7 +2633,7 @@
           <a:p>
             <a:fld id="{9F82CBF2-C64B-4CDF-92A5-7C0BB11A4003}" type="datetimeFigureOut">
               <a:rPr kumimoji="1" lang="ja-JP" altLang="en-US" smtClean="0"/>
-              <a:t>2014/9/5</a:t>
+              <a:t>2014/9/10</a:t>
             </a:fld>
             <a:endParaRPr kumimoji="1" lang="ja-JP" altLang="en-US"/>
           </a:p>
@@ -2794,7 +2895,7 @@
           <a:p>
             <a:fld id="{9F82CBF2-C64B-4CDF-92A5-7C0BB11A4003}" type="datetimeFigureOut">
               <a:rPr kumimoji="1" lang="ja-JP" altLang="en-US" smtClean="0"/>
-              <a:t>2014/9/5</a:t>
+              <a:t>2014/9/10</a:t>
             </a:fld>
             <a:endParaRPr kumimoji="1" lang="ja-JP" altLang="en-US"/>
           </a:p>
@@ -3274,7 +3375,7 @@
           <a:p>
             <a:fld id="{9F82CBF2-C64B-4CDF-92A5-7C0BB11A4003}" type="datetimeFigureOut">
               <a:rPr kumimoji="1" lang="ja-JP" altLang="en-US" smtClean="0"/>
-              <a:t>2014/9/5</a:t>
+              <a:t>2014/9/10</a:t>
             </a:fld>
             <a:endParaRPr kumimoji="1" lang="ja-JP" altLang="en-US"/>
           </a:p>
@@ -3791,7 +3892,7 @@
           <a:p>
             <a:fld id="{9F82CBF2-C64B-4CDF-92A5-7C0BB11A4003}" type="datetimeFigureOut">
               <a:rPr kumimoji="1" lang="ja-JP" altLang="en-US" smtClean="0"/>
-              <a:t>2014/9/5</a:t>
+              <a:t>2014/9/10</a:t>
             </a:fld>
             <a:endParaRPr kumimoji="1" lang="ja-JP" altLang="en-US"/>
           </a:p>
@@ -3899,7 +4000,7 @@
           <a:p>
             <a:fld id="{9F82CBF2-C64B-4CDF-92A5-7C0BB11A4003}" type="datetimeFigureOut">
               <a:rPr kumimoji="1" lang="ja-JP" altLang="en-US" smtClean="0"/>
-              <a:t>2014/9/5</a:t>
+              <a:t>2014/9/10</a:t>
             </a:fld>
             <a:endParaRPr kumimoji="1" lang="ja-JP" altLang="en-US"/>
           </a:p>
@@ -4027,7 +4128,7 @@
           <a:p>
             <a:fld id="{9F82CBF2-C64B-4CDF-92A5-7C0BB11A4003}" type="datetimeFigureOut">
               <a:rPr kumimoji="1" lang="ja-JP" altLang="en-US" smtClean="0"/>
-              <a:t>2014/9/5</a:t>
+              <a:t>2014/9/10</a:t>
             </a:fld>
             <a:endParaRPr kumimoji="1" lang="ja-JP" altLang="en-US"/>
           </a:p>
@@ -4340,7 +4441,7 @@
           <a:p>
             <a:fld id="{9F82CBF2-C64B-4CDF-92A5-7C0BB11A4003}" type="datetimeFigureOut">
               <a:rPr kumimoji="1" lang="ja-JP" altLang="en-US" smtClean="0"/>
-              <a:t>2014/9/5</a:t>
+              <a:t>2014/9/10</a:t>
             </a:fld>
             <a:endParaRPr kumimoji="1" lang="ja-JP" altLang="en-US"/>
           </a:p>
@@ -4552,7 +4653,7 @@
           <a:p>
             <a:fld id="{9F82CBF2-C64B-4CDF-92A5-7C0BB11A4003}" type="datetimeFigureOut">
               <a:rPr kumimoji="1" lang="ja-JP" altLang="en-US" smtClean="0"/>
-              <a:t>2014/9/5</a:t>
+              <a:t>2014/9/10</a:t>
             </a:fld>
             <a:endParaRPr kumimoji="1" lang="ja-JP" altLang="en-US"/>
           </a:p>
@@ -5700,7 +5801,7 @@
           <a:p>
             <a:fld id="{9F82CBF2-C64B-4CDF-92A5-7C0BB11A4003}" type="datetimeFigureOut">
               <a:rPr kumimoji="1" lang="ja-JP" altLang="en-US" smtClean="0"/>
-              <a:t>2014/9/5</a:t>
+              <a:t>2014/9/10</a:t>
             </a:fld>
             <a:endParaRPr kumimoji="1" lang="ja-JP" altLang="en-US"/>
           </a:p>
@@ -7483,12 +7584,12 @@
       </p:grpSpPr>
       <p:sp>
         <p:nvSpPr>
-          <p:cNvPr id="2" name="コンテンツ プレースホルダー 1"/>
+          <p:cNvPr id="3" name="タイトル 2"/>
           <p:cNvSpPr>
             <a:spLocks noGrp="1"/>
           </p:cNvSpPr>
           <p:nvPr>
-            <p:ph idx="1"/>
+            <p:ph type="title"/>
           </p:nvPr>
         </p:nvSpPr>
         <p:spPr/>
@@ -7496,10 +7597,539 @@
           <a:bodyPr/>
           <a:lstStyle/>
           <a:p>
+            <a:r>
+              <a:rPr kumimoji="1" lang="ja-JP" altLang="en-US" dirty="0" smtClean="0"/>
+              <a:t>テストを書く</a:t>
+            </a:r>
+            <a:endParaRPr kumimoji="1" lang="ja-JP" altLang="en-US" dirty="0"/>
+          </a:p>
+        </p:txBody>
+      </p:sp>
+      <p:sp>
+        <p:nvSpPr>
+          <p:cNvPr id="5" name="正方形/長方形 4"/>
+          <p:cNvSpPr/>
+          <p:nvPr/>
+        </p:nvSpPr>
+        <p:spPr>
+          <a:xfrm>
+            <a:off x="1691680" y="1700808"/>
+            <a:ext cx="5688632" cy="432048"/>
+          </a:xfrm>
+          <a:prstGeom prst="rect">
+            <a:avLst/>
+          </a:prstGeom>
+        </p:spPr>
+        <p:style>
+          <a:lnRef idx="2">
+            <a:schemeClr val="accent1">
+              <a:shade val="50000"/>
+            </a:schemeClr>
+          </a:lnRef>
+          <a:fillRef idx="1">
+            <a:schemeClr val="accent1"/>
+          </a:fillRef>
+          <a:effectRef idx="0">
+            <a:schemeClr val="accent1"/>
+          </a:effectRef>
+          <a:fontRef idx="minor">
+            <a:schemeClr val="lt1"/>
+          </a:fontRef>
+        </p:style>
+        <p:txBody>
+          <a:bodyPr rtlCol="0" anchor="ctr"/>
+          <a:lstStyle/>
+          <a:p>
+            <a:pPr algn="ctr"/>
+            <a:r>
+              <a:rPr kumimoji="1" lang="ja-JP" altLang="en-US" dirty="0" smtClean="0"/>
+              <a:t>事前処理</a:t>
+            </a:r>
+            <a:endParaRPr kumimoji="1" lang="ja-JP" altLang="en-US" dirty="0"/>
+          </a:p>
+        </p:txBody>
+      </p:sp>
+      <p:sp>
+        <p:nvSpPr>
+          <p:cNvPr id="7" name="正方形/長方形 6"/>
+          <p:cNvSpPr/>
+          <p:nvPr/>
+        </p:nvSpPr>
+        <p:spPr>
+          <a:xfrm>
+            <a:off x="1691680" y="2708920"/>
+            <a:ext cx="5688632" cy="432048"/>
+          </a:xfrm>
+          <a:prstGeom prst="rect">
+            <a:avLst/>
+          </a:prstGeom>
+          <a:solidFill>
+            <a:srgbClr val="6CA62C"/>
+          </a:solidFill>
+          <a:ln>
+            <a:solidFill>
+              <a:srgbClr val="008000"/>
+            </a:solidFill>
+          </a:ln>
+        </p:spPr>
+        <p:style>
+          <a:lnRef idx="2">
+            <a:schemeClr val="accent1">
+              <a:shade val="50000"/>
+            </a:schemeClr>
+          </a:lnRef>
+          <a:fillRef idx="1">
+            <a:schemeClr val="accent1"/>
+          </a:fillRef>
+          <a:effectRef idx="0">
+            <a:schemeClr val="accent1"/>
+          </a:effectRef>
+          <a:fontRef idx="minor">
+            <a:schemeClr val="lt1"/>
+          </a:fontRef>
+        </p:style>
+        <p:txBody>
+          <a:bodyPr rtlCol="0" anchor="ctr"/>
+          <a:lstStyle/>
+          <a:p>
+            <a:pPr algn="ctr"/>
+            <a:r>
+              <a:rPr lang="ja-JP" altLang="en-US" dirty="0" smtClean="0"/>
+              <a:t>テスト</a:t>
+            </a:r>
+            <a:r>
+              <a:rPr lang="ja-JP" altLang="en-US" dirty="0"/>
+              <a:t>メソッド</a:t>
+            </a:r>
+            <a:endParaRPr kumimoji="1" lang="ja-JP" altLang="en-US" dirty="0"/>
+          </a:p>
+        </p:txBody>
+      </p:sp>
+      <p:sp>
+        <p:nvSpPr>
+          <p:cNvPr id="8" name="正方形/長方形 7"/>
+          <p:cNvSpPr/>
+          <p:nvPr/>
+        </p:nvSpPr>
+        <p:spPr>
+          <a:xfrm>
+            <a:off x="1691680" y="3717032"/>
+            <a:ext cx="5688632" cy="432048"/>
+          </a:xfrm>
+          <a:prstGeom prst="rect">
+            <a:avLst/>
+          </a:prstGeom>
+        </p:spPr>
+        <p:style>
+          <a:lnRef idx="2">
+            <a:schemeClr val="accent1">
+              <a:shade val="50000"/>
+            </a:schemeClr>
+          </a:lnRef>
+          <a:fillRef idx="1">
+            <a:schemeClr val="accent1"/>
+          </a:fillRef>
+          <a:effectRef idx="0">
+            <a:schemeClr val="accent1"/>
+          </a:effectRef>
+          <a:fontRef idx="minor">
+            <a:schemeClr val="lt1"/>
+          </a:fontRef>
+        </p:style>
+        <p:txBody>
+          <a:bodyPr rtlCol="0" anchor="ctr"/>
+          <a:lstStyle/>
+          <a:p>
+            <a:pPr algn="ctr"/>
+            <a:r>
+              <a:rPr lang="ja-JP" altLang="en-US" dirty="0"/>
+              <a:t>事後</a:t>
+            </a:r>
+            <a:r>
+              <a:rPr kumimoji="1" lang="ja-JP" altLang="en-US" dirty="0" smtClean="0"/>
+              <a:t>処理</a:t>
+            </a:r>
+            <a:endParaRPr kumimoji="1" lang="ja-JP" altLang="en-US" dirty="0"/>
+          </a:p>
+        </p:txBody>
+      </p:sp>
+      <p:sp>
+        <p:nvSpPr>
+          <p:cNvPr id="9" name="下矢印 8"/>
+          <p:cNvSpPr/>
+          <p:nvPr/>
+        </p:nvSpPr>
+        <p:spPr>
+          <a:xfrm>
+            <a:off x="4211960" y="2276872"/>
+            <a:ext cx="504056" cy="360040"/>
+          </a:xfrm>
+          <a:prstGeom prst="downArrow">
+            <a:avLst/>
+          </a:prstGeom>
+          <a:solidFill>
+            <a:srgbClr val="FDBC03"/>
+          </a:solidFill>
+          <a:ln>
+            <a:solidFill>
+              <a:srgbClr val="F9790F"/>
+            </a:solidFill>
+          </a:ln>
+        </p:spPr>
+        <p:style>
+          <a:lnRef idx="2">
+            <a:schemeClr val="accent1">
+              <a:shade val="50000"/>
+            </a:schemeClr>
+          </a:lnRef>
+          <a:fillRef idx="1">
+            <a:schemeClr val="accent1"/>
+          </a:fillRef>
+          <a:effectRef idx="0">
+            <a:schemeClr val="accent1"/>
+          </a:effectRef>
+          <a:fontRef idx="minor">
+            <a:schemeClr val="lt1"/>
+          </a:fontRef>
+        </p:style>
+        <p:txBody>
+          <a:bodyPr rtlCol="0" anchor="ctr"/>
+          <a:lstStyle/>
+          <a:p>
+            <a:pPr algn="ctr"/>
             <a:endParaRPr kumimoji="1" lang="ja-JP" altLang="en-US"/>
           </a:p>
         </p:txBody>
       </p:sp>
+      <p:sp>
+        <p:nvSpPr>
+          <p:cNvPr id="10" name="下矢印 9"/>
+          <p:cNvSpPr/>
+          <p:nvPr/>
+        </p:nvSpPr>
+        <p:spPr>
+          <a:xfrm>
+            <a:off x="4211960" y="3284984"/>
+            <a:ext cx="504056" cy="360040"/>
+          </a:xfrm>
+          <a:prstGeom prst="downArrow">
+            <a:avLst/>
+          </a:prstGeom>
+          <a:solidFill>
+            <a:srgbClr val="FDBC03"/>
+          </a:solidFill>
+          <a:ln>
+            <a:solidFill>
+              <a:srgbClr val="F9790F"/>
+            </a:solidFill>
+          </a:ln>
+        </p:spPr>
+        <p:style>
+          <a:lnRef idx="2">
+            <a:schemeClr val="accent1">
+              <a:shade val="50000"/>
+            </a:schemeClr>
+          </a:lnRef>
+          <a:fillRef idx="1">
+            <a:schemeClr val="accent1"/>
+          </a:fillRef>
+          <a:effectRef idx="0">
+            <a:schemeClr val="accent1"/>
+          </a:effectRef>
+          <a:fontRef idx="minor">
+            <a:schemeClr val="lt1"/>
+          </a:fontRef>
+        </p:style>
+        <p:txBody>
+          <a:bodyPr rtlCol="0" anchor="ctr"/>
+          <a:lstStyle/>
+          <a:p>
+            <a:pPr algn="ctr"/>
+            <a:endParaRPr kumimoji="1" lang="ja-JP" altLang="en-US"/>
+          </a:p>
+        </p:txBody>
+      </p:sp>
+      <p:sp>
+        <p:nvSpPr>
+          <p:cNvPr id="11" name="正方形/長方形 10"/>
+          <p:cNvSpPr/>
+          <p:nvPr/>
+        </p:nvSpPr>
+        <p:spPr>
+          <a:xfrm>
+            <a:off x="1691680" y="4725144"/>
+            <a:ext cx="5688632" cy="432048"/>
+          </a:xfrm>
+          <a:prstGeom prst="rect">
+            <a:avLst/>
+          </a:prstGeom>
+        </p:spPr>
+        <p:style>
+          <a:lnRef idx="2">
+            <a:schemeClr val="accent1">
+              <a:shade val="50000"/>
+            </a:schemeClr>
+          </a:lnRef>
+          <a:fillRef idx="1">
+            <a:schemeClr val="accent1"/>
+          </a:fillRef>
+          <a:effectRef idx="0">
+            <a:schemeClr val="accent1"/>
+          </a:effectRef>
+          <a:fontRef idx="minor">
+            <a:schemeClr val="lt1"/>
+          </a:fontRef>
+        </p:style>
+        <p:txBody>
+          <a:bodyPr rtlCol="0" anchor="ctr"/>
+          <a:lstStyle/>
+          <a:p>
+            <a:pPr algn="ctr"/>
+            <a:r>
+              <a:rPr kumimoji="1" lang="ja-JP" altLang="en-US" dirty="0" smtClean="0"/>
+              <a:t>事前処理</a:t>
+            </a:r>
+            <a:endParaRPr kumimoji="1" lang="ja-JP" altLang="en-US" dirty="0"/>
+          </a:p>
+        </p:txBody>
+      </p:sp>
+      <p:sp>
+        <p:nvSpPr>
+          <p:cNvPr id="12" name="正方形/長方形 11"/>
+          <p:cNvSpPr/>
+          <p:nvPr/>
+        </p:nvSpPr>
+        <p:spPr>
+          <a:xfrm>
+            <a:off x="1691680" y="5733256"/>
+            <a:ext cx="5688632" cy="432048"/>
+          </a:xfrm>
+          <a:prstGeom prst="rect">
+            <a:avLst/>
+          </a:prstGeom>
+          <a:solidFill>
+            <a:srgbClr val="6CA62C"/>
+          </a:solidFill>
+          <a:ln>
+            <a:solidFill>
+              <a:srgbClr val="008000"/>
+            </a:solidFill>
+          </a:ln>
+        </p:spPr>
+        <p:style>
+          <a:lnRef idx="2">
+            <a:schemeClr val="accent1">
+              <a:shade val="50000"/>
+            </a:schemeClr>
+          </a:lnRef>
+          <a:fillRef idx="1">
+            <a:schemeClr val="accent1"/>
+          </a:fillRef>
+          <a:effectRef idx="0">
+            <a:schemeClr val="accent1"/>
+          </a:effectRef>
+          <a:fontRef idx="minor">
+            <a:schemeClr val="lt1"/>
+          </a:fontRef>
+        </p:style>
+        <p:txBody>
+          <a:bodyPr rtlCol="0" anchor="ctr"/>
+          <a:lstStyle/>
+          <a:p>
+            <a:pPr algn="ctr"/>
+            <a:r>
+              <a:rPr lang="ja-JP" altLang="en-US" dirty="0" smtClean="0"/>
+              <a:t>テスト</a:t>
+            </a:r>
+            <a:r>
+              <a:rPr lang="ja-JP" altLang="en-US" dirty="0"/>
+              <a:t>メソッド</a:t>
+            </a:r>
+            <a:endParaRPr kumimoji="1" lang="ja-JP" altLang="en-US" dirty="0"/>
+          </a:p>
+        </p:txBody>
+      </p:sp>
+      <p:sp>
+        <p:nvSpPr>
+          <p:cNvPr id="14" name="下矢印 13"/>
+          <p:cNvSpPr/>
+          <p:nvPr/>
+        </p:nvSpPr>
+        <p:spPr>
+          <a:xfrm>
+            <a:off x="4211960" y="5301208"/>
+            <a:ext cx="504056" cy="360040"/>
+          </a:xfrm>
+          <a:prstGeom prst="downArrow">
+            <a:avLst/>
+          </a:prstGeom>
+          <a:solidFill>
+            <a:srgbClr val="FDBC03"/>
+          </a:solidFill>
+          <a:ln>
+            <a:solidFill>
+              <a:srgbClr val="F9790F"/>
+            </a:solidFill>
+          </a:ln>
+        </p:spPr>
+        <p:style>
+          <a:lnRef idx="2">
+            <a:schemeClr val="accent1">
+              <a:shade val="50000"/>
+            </a:schemeClr>
+          </a:lnRef>
+          <a:fillRef idx="1">
+            <a:schemeClr val="accent1"/>
+          </a:fillRef>
+          <a:effectRef idx="0">
+            <a:schemeClr val="accent1"/>
+          </a:effectRef>
+          <a:fontRef idx="minor">
+            <a:schemeClr val="lt1"/>
+          </a:fontRef>
+        </p:style>
+        <p:txBody>
+          <a:bodyPr rtlCol="0" anchor="ctr"/>
+          <a:lstStyle/>
+          <a:p>
+            <a:pPr algn="ctr"/>
+            <a:endParaRPr kumimoji="1" lang="ja-JP" altLang="en-US"/>
+          </a:p>
+        </p:txBody>
+      </p:sp>
+      <p:sp>
+        <p:nvSpPr>
+          <p:cNvPr id="15" name="下矢印 14"/>
+          <p:cNvSpPr/>
+          <p:nvPr/>
+        </p:nvSpPr>
+        <p:spPr>
+          <a:xfrm>
+            <a:off x="4211960" y="4293096"/>
+            <a:ext cx="504056" cy="360040"/>
+          </a:xfrm>
+          <a:prstGeom prst="downArrow">
+            <a:avLst/>
+          </a:prstGeom>
+          <a:solidFill>
+            <a:srgbClr val="FDBC03"/>
+          </a:solidFill>
+          <a:ln>
+            <a:solidFill>
+              <a:srgbClr val="F9790F"/>
+            </a:solidFill>
+          </a:ln>
+        </p:spPr>
+        <p:style>
+          <a:lnRef idx="2">
+            <a:schemeClr val="accent1">
+              <a:shade val="50000"/>
+            </a:schemeClr>
+          </a:lnRef>
+          <a:fillRef idx="1">
+            <a:schemeClr val="accent1"/>
+          </a:fillRef>
+          <a:effectRef idx="0">
+            <a:schemeClr val="accent1"/>
+          </a:effectRef>
+          <a:fontRef idx="minor">
+            <a:schemeClr val="lt1"/>
+          </a:fontRef>
+        </p:style>
+        <p:txBody>
+          <a:bodyPr rtlCol="0" anchor="ctr"/>
+          <a:lstStyle/>
+          <a:p>
+            <a:pPr algn="ctr"/>
+            <a:endParaRPr kumimoji="1" lang="ja-JP" altLang="en-US"/>
+          </a:p>
+        </p:txBody>
+      </p:sp>
+      <p:sp>
+        <p:nvSpPr>
+          <p:cNvPr id="16" name="下矢印 15"/>
+          <p:cNvSpPr/>
+          <p:nvPr/>
+        </p:nvSpPr>
+        <p:spPr>
+          <a:xfrm>
+            <a:off x="4211960" y="6309320"/>
+            <a:ext cx="504056" cy="360040"/>
+          </a:xfrm>
+          <a:prstGeom prst="downArrow">
+            <a:avLst/>
+          </a:prstGeom>
+          <a:solidFill>
+            <a:srgbClr val="FDBC03"/>
+          </a:solidFill>
+          <a:ln>
+            <a:solidFill>
+              <a:srgbClr val="F9790F"/>
+            </a:solidFill>
+          </a:ln>
+        </p:spPr>
+        <p:style>
+          <a:lnRef idx="2">
+            <a:schemeClr val="accent1">
+              <a:shade val="50000"/>
+            </a:schemeClr>
+          </a:lnRef>
+          <a:fillRef idx="1">
+            <a:schemeClr val="accent1"/>
+          </a:fillRef>
+          <a:effectRef idx="0">
+            <a:schemeClr val="accent1"/>
+          </a:effectRef>
+          <a:fontRef idx="minor">
+            <a:schemeClr val="lt1"/>
+          </a:fontRef>
+        </p:style>
+        <p:txBody>
+          <a:bodyPr rtlCol="0" anchor="ctr"/>
+          <a:lstStyle/>
+          <a:p>
+            <a:pPr algn="ctr"/>
+            <a:endParaRPr kumimoji="1" lang="ja-JP" altLang="en-US"/>
+          </a:p>
+        </p:txBody>
+      </p:sp>
+    </p:spTree>
+    <p:extLst>
+      <p:ext uri="{BB962C8B-B14F-4D97-AF65-F5344CB8AC3E}">
+        <p14:creationId xmlns:p14="http://schemas.microsoft.com/office/powerpoint/2010/main" val="1792493927"/>
+      </p:ext>
+    </p:extLst>
+  </p:cSld>
+  <p:clrMapOvr>
+    <a:masterClrMapping/>
+  </p:clrMapOvr>
+  <p:timing>
+    <p:tnLst>
+      <p:par>
+        <p:cTn id="1" dur="indefinite" restart="never" nodeType="tmRoot"/>
+      </p:par>
+    </p:tnLst>
+  </p:timing>
+</p:sld>
+</file>
+
+<file path=ppt/slides/slide13.xml><?xml version="1.0" encoding="utf-8"?>
+<p:sld xmlns:a="http://schemas.openxmlformats.org/drawingml/2006/main" xmlns:r="http://schemas.openxmlformats.org/officeDocument/2006/relationships" xmlns:p="http://schemas.openxmlformats.org/presentationml/2006/main">
+  <p:cSld>
+    <p:spTree>
+      <p:nvGrpSpPr>
+        <p:cNvPr id="1" name=""/>
+        <p:cNvGrpSpPr/>
+        <p:nvPr/>
+      </p:nvGrpSpPr>
+      <p:grpSpPr>
+        <a:xfrm>
+          <a:off x="0" y="0"/>
+          <a:ext cx="0" cy="0"/>
+          <a:chOff x="0" y="0"/>
+          <a:chExt cx="0" cy="0"/>
+        </a:xfrm>
+      </p:grpSpPr>
       <p:sp>
         <p:nvSpPr>
           <p:cNvPr id="3" name="タイトル 2"/>
@@ -7520,6 +8150,98 @@
               <a:t>感想</a:t>
             </a:r>
             <a:endParaRPr kumimoji="1" lang="ja-JP" altLang="en-US" dirty="0"/>
+          </a:p>
+        </p:txBody>
+      </p:sp>
+      <p:sp>
+        <p:nvSpPr>
+          <p:cNvPr id="4" name="テキスト ボックス 3"/>
+          <p:cNvSpPr txBox="1"/>
+          <p:nvPr/>
+        </p:nvSpPr>
+        <p:spPr>
+          <a:xfrm>
+            <a:off x="467544" y="1628800"/>
+            <a:ext cx="8147248" cy="3108543"/>
+          </a:xfrm>
+          <a:prstGeom prst="rect">
+            <a:avLst/>
+          </a:prstGeom>
+          <a:noFill/>
+        </p:spPr>
+        <p:txBody>
+          <a:bodyPr wrap="square" rtlCol="0">
+            <a:spAutoFit/>
+          </a:bodyPr>
+          <a:lstStyle/>
+          <a:p>
+            <a:r>
+              <a:rPr lang="ja-JP" altLang="en-US" sz="2800" dirty="0" smtClean="0"/>
+              <a:t>・最初にコードを書いてインタフェース決めないと</a:t>
+            </a:r>
+            <a:endParaRPr lang="en-US" altLang="ja-JP" sz="2800" dirty="0" smtClean="0"/>
+          </a:p>
+          <a:p>
+            <a:r>
+              <a:rPr lang="ja-JP" altLang="en-US" sz="2800" dirty="0"/>
+              <a:t>　</a:t>
+            </a:r>
+            <a:r>
+              <a:rPr lang="ja-JP" altLang="en-US" sz="2800" dirty="0" smtClean="0"/>
+              <a:t>テストが書きづらい</a:t>
+            </a:r>
+            <a:endParaRPr lang="en-US" altLang="ja-JP" sz="2800" dirty="0" smtClean="0"/>
+          </a:p>
+          <a:p>
+            <a:endParaRPr lang="en-US" altLang="ja-JP" sz="2800" dirty="0" smtClean="0"/>
+          </a:p>
+          <a:p>
+            <a:r>
+              <a:rPr lang="ja-JP" altLang="en-US" sz="2800" dirty="0" smtClean="0"/>
+              <a:t>・書いたテストが正しいかどうか</a:t>
+            </a:r>
+            <a:r>
+              <a:rPr lang="ja-JP" altLang="en-US" sz="2800" dirty="0" smtClean="0"/>
+              <a:t>は人間側で</a:t>
+            </a:r>
+            <a:endParaRPr lang="en-US" altLang="ja-JP" sz="2800" dirty="0" smtClean="0"/>
+          </a:p>
+          <a:p>
+            <a:r>
+              <a:rPr lang="ja-JP" altLang="en-US" sz="2800" dirty="0"/>
+              <a:t>　</a:t>
+            </a:r>
+            <a:r>
+              <a:rPr lang="ja-JP" altLang="en-US" sz="2800" dirty="0" smtClean="0"/>
+              <a:t>担保</a:t>
+            </a:r>
+            <a:r>
+              <a:rPr lang="ja-JP" altLang="en-US" sz="2800" dirty="0" smtClean="0"/>
+              <a:t>しないといけない</a:t>
+            </a:r>
+            <a:endParaRPr lang="en-US" altLang="ja-JP" sz="2800" dirty="0" smtClean="0"/>
+          </a:p>
+          <a:p>
+            <a:endParaRPr lang="en-US" altLang="ja-JP" sz="2800" dirty="0" smtClean="0"/>
+          </a:p>
+          <a:p>
+            <a:r>
+              <a:rPr lang="ja-JP" altLang="en-US" sz="2800" dirty="0" smtClean="0"/>
+              <a:t>・</a:t>
+            </a:r>
+            <a:r>
+              <a:rPr lang="en-US" altLang="ja-JP" sz="2800" dirty="0" smtClean="0"/>
+              <a:t>JUNIT</a:t>
+            </a:r>
+            <a:r>
+              <a:rPr lang="ja-JP" altLang="en-US" sz="2800" dirty="0" smtClean="0"/>
+              <a:t>が</a:t>
+            </a:r>
+            <a:r>
+              <a:rPr lang="ja-JP" altLang="en-US" sz="2800" dirty="0" smtClean="0"/>
+              <a:t>使いづらい場面がある</a:t>
+            </a:r>
+            <a:endParaRPr lang="en-US" altLang="ja-JP" sz="2800" dirty="0" smtClean="0"/>
           </a:p>
         </p:txBody>
       </p:sp>
@@ -8443,7 +9165,7 @@
           <a:p>
             <a:pPr algn="ctr"/>
             <a:r>
-              <a:rPr lang="ja-JP" altLang="en-US" dirty="0" smtClean="0">
+              <a:rPr lang="ja-JP" altLang="en-US" smtClean="0">
                 <a:solidFill>
                   <a:schemeClr val="tx1"/>
                 </a:solidFill>
@@ -8451,36 +9173,20 @@
               <a:t>（</a:t>
             </a:r>
             <a:r>
-              <a:rPr lang="en-US" altLang="ja-JP" dirty="0" smtClean="0">
+              <a:rPr lang="ja-JP" altLang="en-US" smtClean="0">
                 <a:solidFill>
                   <a:schemeClr val="tx1"/>
                 </a:solidFill>
               </a:rPr>
-              <a:t>”</a:t>
-            </a:r>
-            <a:r>
-              <a:rPr lang="ja-JP" altLang="en-US" dirty="0" smtClean="0">
+              <a:t>０～２３　時</a:t>
+            </a:r>
+            <a:r>
+              <a:rPr lang="ja-JP" altLang="en-US" smtClean="0">
                 <a:solidFill>
                   <a:schemeClr val="tx1"/>
                 </a:solidFill>
               </a:rPr>
-              <a:t>１２時</a:t>
-            </a:r>
-            <a:r>
-              <a:rPr lang="en-US" altLang="ja-JP" dirty="0" smtClean="0">
-                <a:solidFill>
-                  <a:schemeClr val="tx1"/>
-                </a:solidFill>
-              </a:rPr>
-              <a:t>”</a:t>
-            </a:r>
-            <a:r>
-              <a:rPr lang="ja-JP" altLang="en-US" dirty="0" smtClean="0">
-                <a:solidFill>
-                  <a:schemeClr val="tx1"/>
-                </a:solidFill>
-              </a:rPr>
-              <a:t>とか）</a:t>
+              <a:t>）</a:t>
             </a:r>
             <a:endParaRPr kumimoji="1" lang="ja-JP" altLang="en-US" dirty="0">
               <a:solidFill>
